--- a/ppt/yechang.pptx
+++ b/ppt/yechang.pptx
@@ -7,10 +7,15 @@
   <p:sldIdLst>
     <p:sldId id="261" r:id="rId2"/>
     <p:sldId id="257" r:id="rId3"/>
-    <p:sldId id="259" r:id="rId4"/>
-    <p:sldId id="256" r:id="rId5"/>
-    <p:sldId id="258" r:id="rId6"/>
-    <p:sldId id="260" r:id="rId7"/>
+    <p:sldId id="262" r:id="rId4"/>
+    <p:sldId id="259" r:id="rId5"/>
+    <p:sldId id="256" r:id="rId6"/>
+    <p:sldId id="258" r:id="rId7"/>
+    <p:sldId id="266" r:id="rId8"/>
+    <p:sldId id="260" r:id="rId9"/>
+    <p:sldId id="263" r:id="rId10"/>
+    <p:sldId id="264" r:id="rId11"/>
+    <p:sldId id="265" r:id="rId12"/>
   </p:sldIdLst>
   <p:sldSz cx="12192000" cy="6858000"/>
   <p:notesSz cx="6858000" cy="9144000"/>
@@ -288,7 +293,7 @@
           <a:p>
             <a:fld id="{1FE107E2-37BF-41C9-9725-8C4414EBD145}" type="datetimeFigureOut">
               <a:rPr lang="zh-CN" altLang="en-US" smtClean="0"/>
-              <a:t>2017/7/10</a:t>
+              <a:t>2017/7/11</a:t>
             </a:fld>
             <a:endParaRPr lang="zh-CN" altLang="en-US"/>
           </a:p>
@@ -603,7 +608,7 @@
           <a:p>
             <a:fld id="{1FE107E2-37BF-41C9-9725-8C4414EBD145}" type="datetimeFigureOut">
               <a:rPr lang="zh-CN" altLang="en-US" smtClean="0"/>
-              <a:t>2017/7/10</a:t>
+              <a:t>2017/7/11</a:t>
             </a:fld>
             <a:endParaRPr lang="zh-CN" altLang="en-US"/>
           </a:p>
@@ -825,7 +830,7 @@
           <a:p>
             <a:fld id="{1FE107E2-37BF-41C9-9725-8C4414EBD145}" type="datetimeFigureOut">
               <a:rPr lang="zh-CN" altLang="en-US" smtClean="0"/>
-              <a:t>2017/7/10</a:t>
+              <a:t>2017/7/11</a:t>
             </a:fld>
             <a:endParaRPr lang="zh-CN" altLang="en-US"/>
           </a:p>
@@ -1116,7 +1121,7 @@
           <a:p>
             <a:fld id="{1FE107E2-37BF-41C9-9725-8C4414EBD145}" type="datetimeFigureOut">
               <a:rPr lang="zh-CN" altLang="en-US" smtClean="0"/>
-              <a:t>2017/7/10</a:t>
+              <a:t>2017/7/11</a:t>
             </a:fld>
             <a:endParaRPr lang="zh-CN" altLang="en-US"/>
           </a:p>
@@ -1570,7 +1575,7 @@
           <a:p>
             <a:fld id="{1FE107E2-37BF-41C9-9725-8C4414EBD145}" type="datetimeFigureOut">
               <a:rPr lang="zh-CN" altLang="en-US" smtClean="0"/>
-              <a:t>2017/7/10</a:t>
+              <a:t>2017/7/11</a:t>
             </a:fld>
             <a:endParaRPr lang="zh-CN" altLang="en-US"/>
           </a:p>
@@ -2146,7 +2151,7 @@
           <a:p>
             <a:fld id="{1FE107E2-37BF-41C9-9725-8C4414EBD145}" type="datetimeFigureOut">
               <a:rPr lang="zh-CN" altLang="en-US" smtClean="0"/>
-              <a:t>2017/7/10</a:t>
+              <a:t>2017/7/11</a:t>
             </a:fld>
             <a:endParaRPr lang="zh-CN" altLang="en-US"/>
           </a:p>
@@ -3007,7 +3012,7 @@
           <a:p>
             <a:fld id="{1FE107E2-37BF-41C9-9725-8C4414EBD145}" type="datetimeFigureOut">
               <a:rPr lang="zh-CN" altLang="en-US" smtClean="0"/>
-              <a:t>2017/7/10</a:t>
+              <a:t>2017/7/11</a:t>
             </a:fld>
             <a:endParaRPr lang="zh-CN" altLang="en-US"/>
           </a:p>
@@ -3212,7 +3217,7 @@
           <a:p>
             <a:fld id="{1FE107E2-37BF-41C9-9725-8C4414EBD145}" type="datetimeFigureOut">
               <a:rPr lang="zh-CN" altLang="en-US" smtClean="0"/>
-              <a:t>2017/7/10</a:t>
+              <a:t>2017/7/11</a:t>
             </a:fld>
             <a:endParaRPr lang="zh-CN" altLang="en-US"/>
           </a:p>
@@ -3426,7 +3431,7 @@
           <a:p>
             <a:fld id="{1FE107E2-37BF-41C9-9725-8C4414EBD145}" type="datetimeFigureOut">
               <a:rPr lang="zh-CN" altLang="en-US" smtClean="0"/>
-              <a:t>2017/7/10</a:t>
+              <a:t>2017/7/11</a:t>
             </a:fld>
             <a:endParaRPr lang="zh-CN" altLang="en-US"/>
           </a:p>
@@ -3631,7 +3636,7 @@
           <a:p>
             <a:fld id="{1FE107E2-37BF-41C9-9725-8C4414EBD145}" type="datetimeFigureOut">
               <a:rPr lang="zh-CN" altLang="en-US" smtClean="0"/>
-              <a:t>2017/7/10</a:t>
+              <a:t>2017/7/11</a:t>
             </a:fld>
             <a:endParaRPr lang="zh-CN" altLang="en-US"/>
           </a:p>
@@ -3911,7 +3916,7 @@
           <a:p>
             <a:fld id="{1FE107E2-37BF-41C9-9725-8C4414EBD145}" type="datetimeFigureOut">
               <a:rPr lang="zh-CN" altLang="en-US" smtClean="0"/>
-              <a:t>2017/7/10</a:t>
+              <a:t>2017/7/11</a:t>
             </a:fld>
             <a:endParaRPr lang="zh-CN" altLang="en-US"/>
           </a:p>
@@ -4178,7 +4183,7 @@
           <a:p>
             <a:fld id="{1FE107E2-37BF-41C9-9725-8C4414EBD145}" type="datetimeFigureOut">
               <a:rPr lang="zh-CN" altLang="en-US" smtClean="0"/>
-              <a:t>2017/7/10</a:t>
+              <a:t>2017/7/11</a:t>
             </a:fld>
             <a:endParaRPr lang="zh-CN" altLang="en-US"/>
           </a:p>
@@ -4593,7 +4598,7 @@
           <a:p>
             <a:fld id="{1FE107E2-37BF-41C9-9725-8C4414EBD145}" type="datetimeFigureOut">
               <a:rPr lang="zh-CN" altLang="en-US" smtClean="0"/>
-              <a:t>2017/7/10</a:t>
+              <a:t>2017/7/11</a:t>
             </a:fld>
             <a:endParaRPr lang="zh-CN" altLang="en-US"/>
           </a:p>
@@ -4741,7 +4746,7 @@
           <a:p>
             <a:fld id="{1FE107E2-37BF-41C9-9725-8C4414EBD145}" type="datetimeFigureOut">
               <a:rPr lang="zh-CN" altLang="en-US" smtClean="0"/>
-              <a:t>2017/7/10</a:t>
+              <a:t>2017/7/11</a:t>
             </a:fld>
             <a:endParaRPr lang="zh-CN" altLang="en-US"/>
           </a:p>
@@ -4866,7 +4871,7 @@
           <a:p>
             <a:fld id="{1FE107E2-37BF-41C9-9725-8C4414EBD145}" type="datetimeFigureOut">
               <a:rPr lang="zh-CN" altLang="en-US" smtClean="0"/>
-              <a:t>2017/7/10</a:t>
+              <a:t>2017/7/11</a:t>
             </a:fld>
             <a:endParaRPr lang="zh-CN" altLang="en-US"/>
           </a:p>
@@ -5145,7 +5150,7 @@
           <a:p>
             <a:fld id="{1FE107E2-37BF-41C9-9725-8C4414EBD145}" type="datetimeFigureOut">
               <a:rPr lang="zh-CN" altLang="en-US" smtClean="0"/>
-              <a:t>2017/7/10</a:t>
+              <a:t>2017/7/11</a:t>
             </a:fld>
             <a:endParaRPr lang="zh-CN" altLang="en-US"/>
           </a:p>
@@ -5460,7 +5465,7 @@
           <a:p>
             <a:fld id="{1FE107E2-37BF-41C9-9725-8C4414EBD145}" type="datetimeFigureOut">
               <a:rPr lang="zh-CN" altLang="en-US" smtClean="0"/>
-              <a:t>2017/7/10</a:t>
+              <a:t>2017/7/11</a:t>
             </a:fld>
             <a:endParaRPr lang="zh-CN" altLang="en-US"/>
           </a:p>
@@ -5713,7 +5718,7 @@
           <a:p>
             <a:fld id="{1FE107E2-37BF-41C9-9725-8C4414EBD145}" type="datetimeFigureOut">
               <a:rPr lang="zh-CN" altLang="en-US" smtClean="0"/>
-              <a:t>2017/7/10</a:t>
+              <a:t>2017/7/11</a:t>
             </a:fld>
             <a:endParaRPr lang="zh-CN" altLang="en-US"/>
           </a:p>
@@ -6262,6 +6267,297 @@
 </p:sld>
 </file>
 
+<file path=ppt/slides/slide10.xml><?xml version="1.0" encoding="utf-8"?>
+<p:sld xmlns:a="http://schemas.openxmlformats.org/drawingml/2006/main" xmlns:r="http://schemas.openxmlformats.org/officeDocument/2006/relationships" xmlns:p="http://schemas.openxmlformats.org/presentationml/2006/main">
+  <p:cSld>
+    <p:spTree>
+      <p:nvGrpSpPr>
+        <p:cNvPr id="1" name=""/>
+        <p:cNvGrpSpPr/>
+        <p:nvPr/>
+      </p:nvGrpSpPr>
+      <p:grpSpPr>
+        <a:xfrm>
+          <a:off x="0" y="0"/>
+          <a:ext cx="0" cy="0"/>
+          <a:chOff x="0" y="0"/>
+          <a:chExt cx="0" cy="0"/>
+        </a:xfrm>
+      </p:grpSpPr>
+      <p:sp>
+        <p:nvSpPr>
+          <p:cNvPr id="3" name="内容占位符 2"/>
+          <p:cNvSpPr>
+            <a:spLocks noGrp="1"/>
+          </p:cNvSpPr>
+          <p:nvPr>
+            <p:ph sz="quarter" idx="13"/>
+          </p:nvPr>
+        </p:nvSpPr>
+        <p:spPr>
+          <a:xfrm>
+            <a:off x="1294774" y="1416605"/>
+            <a:ext cx="10363826" cy="3424107"/>
+          </a:xfrm>
+        </p:spPr>
+        <p:txBody>
+          <a:bodyPr>
+            <a:normAutofit/>
+          </a:bodyPr>
+          <a:lstStyle/>
+          <a:p>
+            <a:r>
+              <a:rPr lang="zh-CN" altLang="en-US" sz="2400" dirty="0"/>
+              <a:t>以一道林俊杰苦练钢琴所造就的伤痕为灵感，写下他与音乐共同成长、一路相伴的历程，从德布西的音乐启蒙，到</a:t>
+            </a:r>
+            <a:r>
+              <a:rPr lang="en-US" altLang="zh-CN" sz="2400" dirty="0"/>
+              <a:t>《</a:t>
+            </a:r>
+            <a:r>
+              <a:rPr lang="zh-CN" altLang="en-US" sz="2400" dirty="0"/>
+              <a:t>江南</a:t>
+            </a:r>
+            <a:r>
+              <a:rPr lang="en-US" altLang="zh-CN" sz="2400" dirty="0"/>
+              <a:t>》</a:t>
+            </a:r>
+            <a:r>
+              <a:rPr lang="zh-CN" altLang="en-US" sz="2400" dirty="0"/>
+              <a:t>为众人赞叹，以及</a:t>
+            </a:r>
+            <a:r>
+              <a:rPr lang="en-US" altLang="zh-CN" sz="2400" dirty="0"/>
+              <a:t>2014</a:t>
+            </a:r>
+            <a:r>
+              <a:rPr lang="zh-CN" altLang="en-US" sz="2400" dirty="0"/>
+              <a:t>年的金曲肯定，宛若一段林俊杰音乐人生的缩影。然而，歌词虽然从林俊杰自身出发，最后却表露了歌曲的真正意义：鼓励听者也成为歌曲中如黑键般暗地努力的主角，勇于追寻梦想，终有一天，所坚持的那一件事或许能够改变世界和自己。也如同阿信所说的，这首歌是献给所有在背后不断孤独付出、忍耐、锻炼的人们</a:t>
+            </a:r>
+          </a:p>
+        </p:txBody>
+      </p:sp>
+      <p:sp>
+        <p:nvSpPr>
+          <p:cNvPr id="4" name="矩形 3"/>
+          <p:cNvSpPr/>
+          <p:nvPr/>
+        </p:nvSpPr>
+        <p:spPr>
+          <a:xfrm>
+            <a:off x="1777364" y="493275"/>
+            <a:ext cx="1576072" cy="923330"/>
+          </a:xfrm>
+          <a:prstGeom prst="rect">
+            <a:avLst/>
+          </a:prstGeom>
+          <a:noFill/>
+        </p:spPr>
+        <p:txBody>
+          <a:bodyPr wrap="none" lIns="91440" tIns="45720" rIns="91440" bIns="45720">
+            <a:spAutoFit/>
+          </a:bodyPr>
+          <a:lstStyle/>
+          <a:p>
+            <a:pPr algn="ctr"/>
+            <a:r>
+              <a:rPr lang="zh-CN" altLang="en-US" sz="5400" b="1" cap="none" spc="0" dirty="0" smtClean="0">
+                <a:ln w="9525">
+                  <a:solidFill>
+                    <a:schemeClr val="bg1"/>
+                  </a:solidFill>
+                  <a:prstDash val="solid"/>
+                </a:ln>
+                <a:solidFill>
+                  <a:schemeClr val="tx1"/>
+                </a:solidFill>
+                <a:effectLst>
+                  <a:outerShdw blurRad="12700" dist="38100" dir="2700000" algn="tl" rotWithShape="0">
+                    <a:schemeClr val="bg1">
+                      <a:lumMod val="50000"/>
+                    </a:schemeClr>
+                  </a:outerShdw>
+                </a:effectLst>
+              </a:rPr>
+              <a:t>黑键</a:t>
+            </a:r>
+            <a:endParaRPr lang="zh-CN" altLang="en-US" sz="5400" b="1" cap="none" spc="0" dirty="0">
+              <a:ln w="9525">
+                <a:solidFill>
+                  <a:schemeClr val="bg1"/>
+                </a:solidFill>
+                <a:prstDash val="solid"/>
+              </a:ln>
+              <a:solidFill>
+                <a:schemeClr val="tx1"/>
+              </a:solidFill>
+              <a:effectLst>
+                <a:outerShdw blurRad="12700" dist="38100" dir="2700000" algn="tl" rotWithShape="0">
+                  <a:schemeClr val="bg1">
+                    <a:lumMod val="50000"/>
+                  </a:schemeClr>
+                </a:outerShdw>
+              </a:effectLst>
+            </a:endParaRPr>
+          </a:p>
+        </p:txBody>
+      </p:sp>
+      <p:pic>
+        <p:nvPicPr>
+          <p:cNvPr id="6" name="图片 5">
+            <a:hlinkClick r:id="rId2" action="ppaction://hlinkfile"/>
+          </p:cNvPr>
+          <p:cNvPicPr>
+            <a:picLocks noChangeAspect="1"/>
+          </p:cNvPicPr>
+          <p:nvPr/>
+        </p:nvPicPr>
+        <p:blipFill>
+          <a:blip r:embed="rId3" cstate="print">
+            <a:extLst>
+              <a:ext uri="{28A0092B-C50C-407E-A947-70E740481C1C}">
+                <a14:useLocalDpi xmlns:a14="http://schemas.microsoft.com/office/drawing/2010/main" val="0"/>
+              </a:ext>
+            </a:extLst>
+          </a:blip>
+          <a:stretch>
+            <a:fillRect/>
+          </a:stretch>
+        </p:blipFill>
+        <p:spPr>
+          <a:xfrm>
+            <a:off x="1777364" y="4840712"/>
+            <a:ext cx="1219836" cy="1219836"/>
+          </a:xfrm>
+          <a:prstGeom prst="rect">
+            <a:avLst/>
+          </a:prstGeom>
+        </p:spPr>
+      </p:pic>
+    </p:spTree>
+    <p:extLst>
+      <p:ext uri="{BB962C8B-B14F-4D97-AF65-F5344CB8AC3E}">
+        <p14:creationId xmlns:p14="http://schemas.microsoft.com/office/powerpoint/2010/main" val="1494260300"/>
+      </p:ext>
+    </p:extLst>
+  </p:cSld>
+  <p:clrMapOvr>
+    <a:masterClrMapping/>
+  </p:clrMapOvr>
+  <p:timing>
+    <p:tnLst>
+      <p:par>
+        <p:cTn id="1" dur="indefinite" restart="never" nodeType="tmRoot"/>
+      </p:par>
+    </p:tnLst>
+  </p:timing>
+</p:sld>
+</file>
+
+<file path=ppt/slides/slide11.xml><?xml version="1.0" encoding="utf-8"?>
+<p:sld xmlns:a="http://schemas.openxmlformats.org/drawingml/2006/main" xmlns:r="http://schemas.openxmlformats.org/officeDocument/2006/relationships" xmlns:p="http://schemas.openxmlformats.org/presentationml/2006/main">
+  <p:cSld>
+    <p:spTree>
+      <p:nvGrpSpPr>
+        <p:cNvPr id="1" name=""/>
+        <p:cNvGrpSpPr/>
+        <p:nvPr/>
+      </p:nvGrpSpPr>
+      <p:grpSpPr>
+        <a:xfrm>
+          <a:off x="0" y="0"/>
+          <a:ext cx="0" cy="0"/>
+          <a:chOff x="0" y="0"/>
+          <a:chExt cx="0" cy="0"/>
+        </a:xfrm>
+      </p:grpSpPr>
+      <p:sp>
+        <p:nvSpPr>
+          <p:cNvPr id="5" name="矩形 4"/>
+          <p:cNvSpPr/>
+          <p:nvPr/>
+        </p:nvSpPr>
+        <p:spPr>
+          <a:xfrm>
+            <a:off x="4799964" y="2713335"/>
+            <a:ext cx="1576072" cy="923330"/>
+          </a:xfrm>
+          <a:prstGeom prst="rect">
+            <a:avLst/>
+          </a:prstGeom>
+          <a:noFill/>
+        </p:spPr>
+        <p:txBody>
+          <a:bodyPr wrap="none" lIns="91440" tIns="45720" rIns="91440" bIns="45720">
+            <a:spAutoFit/>
+          </a:bodyPr>
+          <a:lstStyle/>
+          <a:p>
+            <a:pPr algn="ctr"/>
+            <a:r>
+              <a:rPr lang="zh-CN" altLang="en-US" sz="5400" b="1" cap="none" spc="0" dirty="0" smtClean="0">
+                <a:ln w="13462">
+                  <a:solidFill>
+                    <a:schemeClr val="bg1"/>
+                  </a:solidFill>
+                  <a:prstDash val="solid"/>
+                </a:ln>
+                <a:solidFill>
+                  <a:schemeClr val="tx1">
+                    <a:lumMod val="85000"/>
+                    <a:lumOff val="15000"/>
+                  </a:schemeClr>
+                </a:solidFill>
+                <a:effectLst>
+                  <a:outerShdw dist="38100" dir="2700000" algn="bl" rotWithShape="0">
+                    <a:schemeClr val="accent5"/>
+                  </a:outerShdw>
+                </a:effectLst>
+              </a:rPr>
+              <a:t>谢谢</a:t>
+            </a:r>
+            <a:endParaRPr lang="zh-CN" altLang="en-US" sz="5400" b="1" cap="none" spc="0" dirty="0">
+              <a:ln w="13462">
+                <a:solidFill>
+                  <a:schemeClr val="bg1"/>
+                </a:solidFill>
+                <a:prstDash val="solid"/>
+              </a:ln>
+              <a:solidFill>
+                <a:schemeClr val="tx1">
+                  <a:lumMod val="85000"/>
+                  <a:lumOff val="15000"/>
+                </a:schemeClr>
+              </a:solidFill>
+              <a:effectLst>
+                <a:outerShdw dist="38100" dir="2700000" algn="bl" rotWithShape="0">
+                  <a:schemeClr val="accent5"/>
+                </a:outerShdw>
+              </a:effectLst>
+            </a:endParaRPr>
+          </a:p>
+        </p:txBody>
+      </p:sp>
+    </p:spTree>
+    <p:extLst>
+      <p:ext uri="{BB962C8B-B14F-4D97-AF65-F5344CB8AC3E}">
+        <p14:creationId xmlns:p14="http://schemas.microsoft.com/office/powerpoint/2010/main" val="1088560517"/>
+      </p:ext>
+    </p:extLst>
+  </p:cSld>
+  <p:clrMapOvr>
+    <a:masterClrMapping/>
+  </p:clrMapOvr>
+  <p:timing>
+    <p:tnLst>
+      <p:par>
+        <p:cTn id="1" dur="indefinite" restart="never" nodeType="tmRoot"/>
+      </p:par>
+    </p:tnLst>
+  </p:timing>
+</p:sld>
+</file>
+
 <file path=ppt/slides/slide2.xml><?xml version="1.0" encoding="utf-8"?>
 <p:sld xmlns:a="http://schemas.openxmlformats.org/drawingml/2006/main" xmlns:r="http://schemas.openxmlformats.org/officeDocument/2006/relationships" xmlns:p="http://schemas.openxmlformats.org/presentationml/2006/main">
   <p:cSld>
@@ -6291,7 +6587,7 @@
         </p:nvSpPr>
         <p:spPr>
           <a:xfrm>
-            <a:off x="913774" y="1630492"/>
+            <a:off x="913774" y="1655892"/>
             <a:ext cx="10363826" cy="3424107"/>
           </a:xfrm>
         </p:spPr>
@@ -6353,602 +6649,504 @@
               <a:rPr lang="zh-CN" altLang="en-US" dirty="0">
                 <a:latin typeface="+mn-ea"/>
               </a:rPr>
-              <a:t>日出生于新加坡，华语流行男歌手、词曲创作者、音乐制作人。</a:t>
-            </a:r>
-          </a:p>
-          <a:p>
+              <a:t>日出生于</a:t>
+            </a:r>
+            <a:r>
+              <a:rPr lang="zh-CN" altLang="en-US" dirty="0" smtClean="0">
+                <a:latin typeface="+mn-ea"/>
+              </a:rPr>
+              <a:t>新加坡</a:t>
+            </a:r>
+            <a:endParaRPr lang="zh-CN" altLang="en-US" dirty="0">
+              <a:latin typeface="+mn-ea"/>
+            </a:endParaRPr>
+          </a:p>
+          <a:p>
+            <a:r>
+              <a:rPr lang="en-US" altLang="zh-CN" dirty="0" smtClean="0">
+                <a:latin typeface="+mn-ea"/>
+              </a:rPr>
+              <a:t>2003</a:t>
+            </a:r>
+            <a:r>
+              <a:rPr lang="zh-CN" altLang="en-US" dirty="0" smtClean="0">
+                <a:latin typeface="+mn-ea"/>
+              </a:rPr>
+              <a:t>年发行首张创作专辑</a:t>
+            </a:r>
+            <a:r>
+              <a:rPr lang="en-US" altLang="zh-CN" dirty="0" smtClean="0">
+                <a:latin typeface="+mn-ea"/>
+              </a:rPr>
+              <a:t>《</a:t>
+            </a:r>
+            <a:r>
+              <a:rPr lang="zh-CN" altLang="en-US" dirty="0" smtClean="0">
+                <a:latin typeface="+mn-ea"/>
+              </a:rPr>
+              <a:t>乐行者</a:t>
+            </a:r>
+            <a:r>
+              <a:rPr lang="en-US" altLang="zh-CN" dirty="0" smtClean="0">
+                <a:latin typeface="+mn-ea"/>
+              </a:rPr>
+              <a:t>》</a:t>
+            </a:r>
+            <a:r>
+              <a:rPr lang="zh-CN" altLang="en-US" dirty="0" smtClean="0">
+                <a:latin typeface="+mn-ea"/>
+              </a:rPr>
+              <a:t>。</a:t>
+            </a:r>
+            <a:r>
+              <a:rPr lang="en-US" altLang="zh-CN" dirty="0" smtClean="0">
+                <a:latin typeface="+mn-ea"/>
+              </a:rPr>
+              <a:t>2004</a:t>
+            </a:r>
+            <a:r>
+              <a:rPr lang="zh-CN" altLang="en-US" dirty="0" smtClean="0">
+                <a:latin typeface="+mn-ea"/>
+              </a:rPr>
+              <a:t>年凭专辑</a:t>
+            </a:r>
+            <a:r>
+              <a:rPr lang="en-US" altLang="zh-CN" dirty="0" smtClean="0">
+                <a:latin typeface="+mn-ea"/>
+              </a:rPr>
+              <a:t>《</a:t>
+            </a:r>
+            <a:r>
+              <a:rPr lang="zh-CN" altLang="en-US" dirty="0" smtClean="0">
+                <a:latin typeface="+mn-ea"/>
+              </a:rPr>
+              <a:t>第二天堂</a:t>
+            </a:r>
+            <a:r>
+              <a:rPr lang="en-US" altLang="zh-CN" dirty="0" smtClean="0">
+                <a:latin typeface="+mn-ea"/>
+              </a:rPr>
+              <a:t>》</a:t>
+            </a:r>
+            <a:r>
+              <a:rPr lang="zh-CN" altLang="en-US" dirty="0" smtClean="0">
+                <a:latin typeface="+mn-ea"/>
+              </a:rPr>
+              <a:t>中的</a:t>
+            </a:r>
+            <a:r>
+              <a:rPr lang="en-US" altLang="zh-CN" dirty="0" smtClean="0">
+                <a:latin typeface="+mn-ea"/>
+              </a:rPr>
+              <a:t>《</a:t>
+            </a:r>
+            <a:r>
+              <a:rPr lang="zh-CN" altLang="en-US" dirty="0" smtClean="0">
+                <a:latin typeface="+mn-ea"/>
+              </a:rPr>
+              <a:t>江南</a:t>
+            </a:r>
+            <a:r>
+              <a:rPr lang="en-US" altLang="zh-CN" dirty="0" smtClean="0">
+                <a:latin typeface="+mn-ea"/>
+              </a:rPr>
+              <a:t>》</a:t>
+            </a:r>
+            <a:r>
+              <a:rPr lang="zh-CN" altLang="en-US" dirty="0" smtClean="0">
+                <a:latin typeface="+mn-ea"/>
+              </a:rPr>
+              <a:t>一曲成名。</a:t>
+            </a:r>
+            <a:r>
+              <a:rPr lang="en-US" altLang="zh-CN" dirty="0" smtClean="0">
+                <a:latin typeface="+mn-ea"/>
+              </a:rPr>
+              <a:t>2014</a:t>
+            </a:r>
+            <a:r>
+              <a:rPr lang="zh-CN" altLang="en-US" dirty="0" smtClean="0">
+                <a:latin typeface="+mn-ea"/>
+              </a:rPr>
+              <a:t>年以专辑</a:t>
+            </a:r>
+            <a:r>
+              <a:rPr lang="en-US" altLang="zh-CN" dirty="0" smtClean="0">
+                <a:latin typeface="+mn-ea"/>
+              </a:rPr>
+              <a:t>《</a:t>
+            </a:r>
+            <a:r>
+              <a:rPr lang="zh-CN" altLang="en-US" dirty="0" smtClean="0">
+                <a:latin typeface="+mn-ea"/>
+              </a:rPr>
+              <a:t>因你而在</a:t>
+            </a:r>
+            <a:r>
+              <a:rPr lang="en-US" altLang="zh-CN" dirty="0" smtClean="0">
+                <a:latin typeface="+mn-ea"/>
+              </a:rPr>
+              <a:t>》</a:t>
+            </a:r>
+            <a:r>
+              <a:rPr lang="zh-CN" altLang="en-US" dirty="0" smtClean="0">
+                <a:latin typeface="+mn-ea"/>
+              </a:rPr>
+              <a:t>夺得第</a:t>
+            </a:r>
+            <a:r>
+              <a:rPr lang="en-US" altLang="zh-CN" dirty="0" smtClean="0">
+                <a:latin typeface="+mn-ea"/>
+              </a:rPr>
+              <a:t>25</a:t>
+            </a:r>
+            <a:r>
+              <a:rPr lang="zh-CN" altLang="en-US" dirty="0" smtClean="0">
+                <a:latin typeface="+mn-ea"/>
+              </a:rPr>
+              <a:t>届台湾金曲奖最佳国语男歌手奖。</a:t>
+            </a:r>
+            <a:r>
+              <a:rPr lang="en-US" altLang="zh-CN" dirty="0" smtClean="0">
+                <a:latin typeface="+mn-ea"/>
+              </a:rPr>
+              <a:t>2013</a:t>
+            </a:r>
+            <a:r>
+              <a:rPr lang="zh-CN" altLang="en-US" dirty="0" smtClean="0">
+                <a:latin typeface="+mn-ea"/>
+              </a:rPr>
+              <a:t>年至</a:t>
+            </a:r>
+            <a:r>
+              <a:rPr lang="en-US" altLang="zh-CN" dirty="0" smtClean="0">
+                <a:latin typeface="+mn-ea"/>
+              </a:rPr>
+              <a:t>2015</a:t>
+            </a:r>
+            <a:r>
+              <a:rPr lang="zh-CN" altLang="en-US" dirty="0" smtClean="0">
+                <a:latin typeface="+mn-ea"/>
+              </a:rPr>
+              <a:t>年举办“时线</a:t>
+            </a:r>
+            <a:r>
+              <a:rPr lang="en-US" altLang="zh-CN" dirty="0" smtClean="0">
+                <a:latin typeface="+mn-ea"/>
+              </a:rPr>
+              <a:t>Timeline</a:t>
+            </a:r>
+            <a:r>
+              <a:rPr lang="zh-CN" altLang="en-US" dirty="0" smtClean="0">
+                <a:latin typeface="+mn-ea"/>
+              </a:rPr>
+              <a:t>世界巡回演唱会”和安可场“时线：新地球世界巡回演唱会”，唱遍</a:t>
+            </a:r>
+            <a:r>
+              <a:rPr lang="en-US" altLang="zh-CN" dirty="0" smtClean="0">
+                <a:latin typeface="+mn-ea"/>
+              </a:rPr>
+              <a:t>4</a:t>
+            </a:r>
+            <a:r>
+              <a:rPr lang="zh-CN" altLang="en-US" dirty="0" smtClean="0">
+                <a:latin typeface="+mn-ea"/>
+              </a:rPr>
+              <a:t>大洲、</a:t>
+            </a:r>
+            <a:r>
+              <a:rPr lang="en-US" altLang="zh-CN" dirty="0" smtClean="0">
+                <a:latin typeface="+mn-ea"/>
+              </a:rPr>
+              <a:t>31</a:t>
+            </a:r>
+            <a:r>
+              <a:rPr lang="zh-CN" altLang="en-US" dirty="0" smtClean="0">
+                <a:latin typeface="+mn-ea"/>
+              </a:rPr>
+              <a:t>个城市，刷新个人纪录。</a:t>
+            </a:r>
+            <a:r>
+              <a:rPr lang="en-US" altLang="zh-CN" dirty="0" smtClean="0">
+                <a:latin typeface="+mn-ea"/>
+              </a:rPr>
+              <a:t>2016</a:t>
+            </a:r>
+            <a:r>
+              <a:rPr lang="zh-CN" altLang="en-US" dirty="0" smtClean="0">
+                <a:latin typeface="+mn-ea"/>
+              </a:rPr>
+              <a:t>年以专辑</a:t>
+            </a:r>
+            <a:r>
+              <a:rPr lang="en-US" altLang="zh-CN" dirty="0" smtClean="0">
+                <a:latin typeface="+mn-ea"/>
+              </a:rPr>
+              <a:t>《</a:t>
+            </a:r>
+            <a:r>
+              <a:rPr lang="zh-CN" altLang="en-US" dirty="0" smtClean="0">
+                <a:latin typeface="+mn-ea"/>
+              </a:rPr>
+              <a:t>和自己对话</a:t>
+            </a:r>
+            <a:r>
+              <a:rPr lang="en-US" altLang="zh-CN" dirty="0" smtClean="0">
+                <a:latin typeface="+mn-ea"/>
+              </a:rPr>
+              <a:t>》</a:t>
+            </a:r>
+            <a:r>
+              <a:rPr lang="zh-CN" altLang="en-US" dirty="0" smtClean="0">
+                <a:latin typeface="+mn-ea"/>
+              </a:rPr>
+              <a:t>再度获得第</a:t>
+            </a:r>
+            <a:r>
+              <a:rPr lang="en-US" altLang="zh-CN" dirty="0" smtClean="0">
+                <a:latin typeface="+mn-ea"/>
+              </a:rPr>
+              <a:t>27</a:t>
+            </a:r>
+            <a:r>
+              <a:rPr lang="zh-CN" altLang="en-US" dirty="0" smtClean="0">
+                <a:latin typeface="+mn-ea"/>
+              </a:rPr>
+              <a:t>届台湾金曲奖最佳国语男歌手奖， 并推出个人首部音乐纪录片</a:t>
+            </a:r>
+            <a:r>
+              <a:rPr lang="en-US" altLang="zh-CN" dirty="0" smtClean="0">
+                <a:latin typeface="+mn-ea"/>
+              </a:rPr>
+              <a:t>《</a:t>
+            </a:r>
+            <a:r>
+              <a:rPr lang="zh-CN" altLang="en-US" dirty="0" smtClean="0">
+                <a:latin typeface="+mn-ea"/>
+              </a:rPr>
+              <a:t>听</a:t>
+            </a:r>
+            <a:r>
+              <a:rPr lang="en-US" altLang="zh-CN" dirty="0" smtClean="0">
+                <a:latin typeface="+mn-ea"/>
+              </a:rPr>
+              <a:t>·</a:t>
+            </a:r>
+            <a:r>
+              <a:rPr lang="zh-CN" altLang="en-US" dirty="0" smtClean="0">
+                <a:latin typeface="+mn-ea"/>
+              </a:rPr>
+              <a:t>见林俊杰</a:t>
+            </a:r>
+            <a:r>
+              <a:rPr lang="en-US" altLang="zh-CN" dirty="0" smtClean="0">
+                <a:latin typeface="+mn-ea"/>
+              </a:rPr>
+              <a:t>》</a:t>
+            </a:r>
+            <a:r>
+              <a:rPr lang="zh-CN" altLang="en-US" dirty="0" smtClean="0">
+                <a:latin typeface="+mn-ea"/>
+              </a:rPr>
+              <a:t>。截止到</a:t>
+            </a:r>
+            <a:r>
+              <a:rPr lang="en-US" altLang="zh-CN" dirty="0" smtClean="0">
+                <a:latin typeface="+mn-ea"/>
+              </a:rPr>
+              <a:t>2016</a:t>
+            </a:r>
+            <a:r>
+              <a:rPr lang="zh-CN" altLang="en-US" dirty="0" smtClean="0">
+                <a:latin typeface="+mn-ea"/>
+              </a:rPr>
+              <a:t>年，已发行</a:t>
+            </a:r>
+            <a:r>
+              <a:rPr lang="en-US" altLang="zh-CN" dirty="0" smtClean="0">
+                <a:latin typeface="+mn-ea"/>
+              </a:rPr>
+              <a:t>12</a:t>
+            </a:r>
+            <a:r>
+              <a:rPr lang="zh-CN" altLang="en-US" dirty="0" smtClean="0">
+                <a:latin typeface="+mn-ea"/>
+              </a:rPr>
+              <a:t>张正式专辑，累计创作数百首歌曲。</a:t>
+            </a:r>
+          </a:p>
+          <a:p>
+            <a:r>
+              <a:rPr lang="en-US" altLang="zh-CN" dirty="0" smtClean="0">
+                <a:latin typeface="+mn-ea"/>
+              </a:rPr>
+              <a:t>2004</a:t>
+            </a:r>
+            <a:r>
+              <a:rPr lang="zh-CN" altLang="en-US" dirty="0">
+                <a:latin typeface="+mn-ea"/>
+              </a:rPr>
+              <a:t>年、</a:t>
+            </a:r>
             <a:r>
               <a:rPr lang="en-US" altLang="zh-CN" dirty="0">
                 <a:latin typeface="+mn-ea"/>
               </a:rPr>
-              <a:t>2003</a:t>
+              <a:t>2015</a:t>
             </a:r>
             <a:r>
               <a:rPr lang="zh-CN" altLang="en-US" dirty="0">
                 <a:latin typeface="+mn-ea"/>
               </a:rPr>
-              <a:t>年发行首张创作专辑</a:t>
+              <a:t>年两度受邀演唱新加坡国庆庆典</a:t>
+            </a:r>
+            <a:r>
+              <a:rPr lang="zh-CN" altLang="en-US" dirty="0" smtClean="0">
+                <a:latin typeface="+mn-ea"/>
+              </a:rPr>
+              <a:t>主题曲，</a:t>
+            </a:r>
+            <a:r>
+              <a:rPr lang="zh-CN" altLang="en-US" dirty="0">
+                <a:latin typeface="+mn-ea"/>
+              </a:rPr>
+              <a:t>担任</a:t>
             </a:r>
             <a:r>
               <a:rPr lang="en-US" altLang="zh-CN" dirty="0">
                 <a:latin typeface="+mn-ea"/>
               </a:rPr>
+              <a:t>2008</a:t>
+            </a:r>
+            <a:r>
+              <a:rPr lang="zh-CN" altLang="en-US" dirty="0">
+                <a:latin typeface="+mn-ea"/>
+              </a:rPr>
+              <a:t>年</a:t>
+            </a:r>
+            <a:r>
+              <a:rPr lang="zh-CN" altLang="en-US" dirty="0" smtClean="0">
+                <a:latin typeface="+mn-ea"/>
+              </a:rPr>
+              <a:t>北京奥运会及</a:t>
+            </a:r>
+            <a:r>
+              <a:rPr lang="en-US" altLang="zh-CN" dirty="0">
+                <a:latin typeface="+mn-ea"/>
+              </a:rPr>
+              <a:t>2010</a:t>
+            </a:r>
+            <a:r>
+              <a:rPr lang="zh-CN" altLang="en-US" dirty="0">
+                <a:latin typeface="+mn-ea"/>
+              </a:rPr>
+              <a:t>年新加坡青奥</a:t>
+            </a:r>
+            <a:r>
+              <a:rPr lang="zh-CN" altLang="en-US" dirty="0" smtClean="0">
+                <a:latin typeface="+mn-ea"/>
+              </a:rPr>
+              <a:t>会火炬</a:t>
+            </a:r>
+            <a:r>
+              <a:rPr lang="zh-CN" altLang="en-US" dirty="0">
+                <a:latin typeface="+mn-ea"/>
+              </a:rPr>
+              <a:t>手，创作并演唱</a:t>
+            </a:r>
+            <a:r>
+              <a:rPr lang="en-US" altLang="zh-CN" dirty="0">
+                <a:latin typeface="+mn-ea"/>
+              </a:rPr>
+              <a:t>2010</a:t>
+            </a:r>
+            <a:r>
+              <a:rPr lang="zh-CN" altLang="en-US" dirty="0">
+                <a:latin typeface="+mn-ea"/>
+              </a:rPr>
+              <a:t>年上海世博会新加坡馆主题曲</a:t>
+            </a:r>
+            <a:r>
+              <a:rPr lang="en-US" altLang="zh-CN" dirty="0">
+                <a:latin typeface="+mn-ea"/>
+              </a:rPr>
               <a:t>《</a:t>
             </a:r>
             <a:r>
               <a:rPr lang="zh-CN" altLang="en-US" dirty="0">
                 <a:latin typeface="+mn-ea"/>
               </a:rPr>
-              <a:t>乐行者</a:t>
+              <a:t>感动每一刻</a:t>
+            </a:r>
+            <a:r>
+              <a:rPr lang="en-US" altLang="zh-CN" dirty="0" smtClean="0">
+                <a:latin typeface="+mn-ea"/>
+              </a:rPr>
+              <a:t>》</a:t>
+            </a:r>
+            <a:r>
+              <a:rPr lang="zh-CN" altLang="en-US" dirty="0" smtClean="0">
+                <a:latin typeface="+mn-ea"/>
+              </a:rPr>
+              <a:t>。</a:t>
+            </a:r>
+            <a:r>
+              <a:rPr lang="zh-CN" altLang="en-US" dirty="0">
+                <a:latin typeface="+mn-ea"/>
+              </a:rPr>
+              <a:t>凭借在音乐创作与慈善公益等方面的表现，</a:t>
             </a:r>
             <a:r>
               <a:rPr lang="en-US" altLang="zh-CN" dirty="0">
                 <a:latin typeface="+mn-ea"/>
               </a:rPr>
-              <a:t>》[1]  </a:t>
+              <a:t>2009</a:t>
             </a:r>
             <a:r>
               <a:rPr lang="zh-CN" altLang="en-US" dirty="0">
                 <a:latin typeface="+mn-ea"/>
               </a:rPr>
-              <a:t>。</a:t>
+              <a:t>年荣获新加坡杰出青年</a:t>
+            </a:r>
+            <a:r>
+              <a:rPr lang="zh-CN" altLang="en-US" dirty="0" smtClean="0">
+                <a:latin typeface="+mn-ea"/>
+              </a:rPr>
+              <a:t>奖，</a:t>
             </a:r>
             <a:r>
               <a:rPr lang="en-US" altLang="zh-CN" dirty="0">
                 <a:latin typeface="+mn-ea"/>
               </a:rPr>
-              <a:t>2004</a:t>
+              <a:t>2014</a:t>
             </a:r>
             <a:r>
               <a:rPr lang="zh-CN" altLang="en-US" dirty="0">
                 <a:latin typeface="+mn-ea"/>
               </a:rPr>
-              <a:t>年凭专辑</a:t>
+              <a:t>年获得第</a:t>
             </a:r>
             <a:r>
               <a:rPr lang="en-US" altLang="zh-CN" dirty="0">
                 <a:latin typeface="+mn-ea"/>
               </a:rPr>
-              <a:t>《</a:t>
+              <a:t>5</a:t>
             </a:r>
             <a:r>
               <a:rPr lang="zh-CN" altLang="en-US" dirty="0">
                 <a:latin typeface="+mn-ea"/>
               </a:rPr>
-              <a:t>第二天堂</a:t>
-            </a:r>
-            <a:r>
-              <a:rPr lang="en-US" altLang="zh-CN" dirty="0">
-                <a:latin typeface="+mn-ea"/>
-              </a:rPr>
-              <a:t>》</a:t>
-            </a:r>
-            <a:r>
-              <a:rPr lang="zh-CN" altLang="en-US" dirty="0">
-                <a:latin typeface="+mn-ea"/>
-              </a:rPr>
-              <a:t>中的</a:t>
-            </a:r>
-            <a:r>
-              <a:rPr lang="en-US" altLang="zh-CN" dirty="0">
-                <a:latin typeface="+mn-ea"/>
-              </a:rPr>
-              <a:t>《</a:t>
-            </a:r>
-            <a:r>
-              <a:rPr lang="zh-CN" altLang="en-US" dirty="0">
-                <a:latin typeface="+mn-ea"/>
-              </a:rPr>
-              <a:t>江南</a:t>
-            </a:r>
-            <a:r>
-              <a:rPr lang="en-US" altLang="zh-CN" dirty="0">
-                <a:latin typeface="+mn-ea"/>
-              </a:rPr>
-              <a:t>》</a:t>
-            </a:r>
-            <a:r>
-              <a:rPr lang="zh-CN" altLang="en-US" dirty="0">
-                <a:latin typeface="+mn-ea"/>
-              </a:rPr>
-              <a:t>一曲成名</a:t>
-            </a:r>
-            <a:r>
-              <a:rPr lang="en-US" altLang="zh-CN" dirty="0">
-                <a:latin typeface="+mn-ea"/>
-              </a:rPr>
-              <a:t>[2]  </a:t>
-            </a:r>
-            <a:r>
-              <a:rPr lang="zh-CN" altLang="en-US" dirty="0">
-                <a:latin typeface="+mn-ea"/>
-              </a:rPr>
-              <a:t>。</a:t>
-            </a:r>
-            <a:r>
-              <a:rPr lang="en-US" altLang="zh-CN" dirty="0">
-                <a:latin typeface="+mn-ea"/>
-              </a:rPr>
-              <a:t>2014</a:t>
-            </a:r>
-            <a:r>
-              <a:rPr lang="zh-CN" altLang="en-US" dirty="0">
-                <a:latin typeface="+mn-ea"/>
-              </a:rPr>
-              <a:t>年以专辑</a:t>
-            </a:r>
-            <a:r>
-              <a:rPr lang="en-US" altLang="zh-CN" dirty="0">
-                <a:latin typeface="+mn-ea"/>
-              </a:rPr>
-              <a:t>《</a:t>
-            </a:r>
-            <a:r>
-              <a:rPr lang="zh-CN" altLang="en-US" dirty="0">
-                <a:latin typeface="+mn-ea"/>
-              </a:rPr>
-              <a:t>因你而在</a:t>
-            </a:r>
-            <a:r>
-              <a:rPr lang="en-US" altLang="zh-CN" dirty="0">
-                <a:latin typeface="+mn-ea"/>
-              </a:rPr>
-              <a:t>》</a:t>
-            </a:r>
-            <a:r>
-              <a:rPr lang="zh-CN" altLang="en-US" dirty="0">
-                <a:latin typeface="+mn-ea"/>
-              </a:rPr>
-              <a:t>夺得第</a:t>
-            </a:r>
-            <a:r>
-              <a:rPr lang="en-US" altLang="zh-CN" dirty="0">
-                <a:latin typeface="+mn-ea"/>
-              </a:rPr>
-              <a:t>25</a:t>
-            </a:r>
-            <a:r>
-              <a:rPr lang="zh-CN" altLang="en-US" dirty="0">
-                <a:latin typeface="+mn-ea"/>
-              </a:rPr>
-              <a:t>届台湾金曲奖最佳国语男歌手奖</a:t>
-            </a:r>
-            <a:r>
-              <a:rPr lang="en-US" altLang="zh-CN" dirty="0">
-                <a:latin typeface="+mn-ea"/>
-              </a:rPr>
-              <a:t>[3]  </a:t>
-            </a:r>
-            <a:r>
-              <a:rPr lang="zh-CN" altLang="en-US" dirty="0">
-                <a:latin typeface="+mn-ea"/>
-              </a:rPr>
-              <a:t>。</a:t>
-            </a:r>
-            <a:r>
-              <a:rPr lang="en-US" altLang="zh-CN" dirty="0">
-                <a:latin typeface="+mn-ea"/>
-              </a:rPr>
-              <a:t>2013</a:t>
-            </a:r>
-            <a:r>
-              <a:rPr lang="zh-CN" altLang="en-US" dirty="0">
-                <a:latin typeface="+mn-ea"/>
-              </a:rPr>
-              <a:t>年至</a:t>
-            </a:r>
-            <a:r>
-              <a:rPr lang="en-US" altLang="zh-CN" dirty="0">
-                <a:latin typeface="+mn-ea"/>
-              </a:rPr>
-              <a:t>2015</a:t>
-            </a:r>
-            <a:r>
-              <a:rPr lang="zh-CN" altLang="en-US" dirty="0">
-                <a:latin typeface="+mn-ea"/>
-              </a:rPr>
-              <a:t>年举办“时线</a:t>
-            </a:r>
-            <a:r>
-              <a:rPr lang="en-US" altLang="zh-CN" dirty="0">
-                <a:latin typeface="+mn-ea"/>
-              </a:rPr>
-              <a:t>Timeline</a:t>
-            </a:r>
-            <a:r>
-              <a:rPr lang="zh-CN" altLang="en-US" dirty="0">
-                <a:latin typeface="+mn-ea"/>
-              </a:rPr>
-              <a:t>世界巡回演唱会”和安可场“时线：新地球世界巡回演唱会”，唱遍</a:t>
-            </a:r>
-            <a:r>
-              <a:rPr lang="en-US" altLang="zh-CN" dirty="0">
-                <a:latin typeface="+mn-ea"/>
-              </a:rPr>
-              <a:t>4</a:t>
-            </a:r>
-            <a:r>
-              <a:rPr lang="zh-CN" altLang="en-US" dirty="0">
-                <a:latin typeface="+mn-ea"/>
-              </a:rPr>
-              <a:t>大洲、</a:t>
-            </a:r>
-            <a:r>
-              <a:rPr lang="en-US" altLang="zh-CN" dirty="0">
-                <a:latin typeface="+mn-ea"/>
-              </a:rPr>
-              <a:t>31</a:t>
-            </a:r>
-            <a:r>
-              <a:rPr lang="zh-CN" altLang="en-US" dirty="0">
-                <a:latin typeface="+mn-ea"/>
-              </a:rPr>
-              <a:t>个城市，刷新个人纪录</a:t>
-            </a:r>
-            <a:r>
-              <a:rPr lang="en-US" altLang="zh-CN" dirty="0">
-                <a:latin typeface="+mn-ea"/>
-              </a:rPr>
-              <a:t>[4]  </a:t>
-            </a:r>
-            <a:r>
-              <a:rPr lang="zh-CN" altLang="en-US" dirty="0">
-                <a:latin typeface="+mn-ea"/>
-              </a:rPr>
-              <a:t>。</a:t>
-            </a:r>
-            <a:r>
-              <a:rPr lang="en-US" altLang="zh-CN" dirty="0">
-                <a:latin typeface="+mn-ea"/>
-              </a:rPr>
-              <a:t>2016</a:t>
-            </a:r>
-            <a:r>
-              <a:rPr lang="zh-CN" altLang="en-US" dirty="0">
-                <a:latin typeface="+mn-ea"/>
-              </a:rPr>
-              <a:t>年以专辑</a:t>
-            </a:r>
-            <a:r>
-              <a:rPr lang="en-US" altLang="zh-CN" dirty="0">
-                <a:latin typeface="+mn-ea"/>
-              </a:rPr>
-              <a:t>《</a:t>
-            </a:r>
-            <a:r>
-              <a:rPr lang="zh-CN" altLang="en-US" dirty="0">
-                <a:latin typeface="+mn-ea"/>
-              </a:rPr>
-              <a:t>和自己对话</a:t>
-            </a:r>
-            <a:r>
-              <a:rPr lang="en-US" altLang="zh-CN" dirty="0">
-                <a:latin typeface="+mn-ea"/>
-              </a:rPr>
-              <a:t>》</a:t>
-            </a:r>
-            <a:r>
-              <a:rPr lang="zh-CN" altLang="en-US" dirty="0">
-                <a:latin typeface="+mn-ea"/>
-              </a:rPr>
-              <a:t>再度获得第</a:t>
-            </a:r>
-            <a:r>
-              <a:rPr lang="en-US" altLang="zh-CN" dirty="0">
-                <a:latin typeface="+mn-ea"/>
-              </a:rPr>
-              <a:t>27</a:t>
-            </a:r>
-            <a:r>
-              <a:rPr lang="zh-CN" altLang="en-US" dirty="0">
-                <a:latin typeface="+mn-ea"/>
-              </a:rPr>
-              <a:t>届台湾金曲奖最佳国语男歌手奖</a:t>
-            </a:r>
-            <a:r>
-              <a:rPr lang="en-US" altLang="zh-CN" dirty="0">
-                <a:latin typeface="+mn-ea"/>
-              </a:rPr>
-              <a:t>[5]  </a:t>
-            </a:r>
-            <a:r>
-              <a:rPr lang="zh-CN" altLang="en-US" dirty="0">
-                <a:latin typeface="+mn-ea"/>
-              </a:rPr>
-              <a:t>， 并推出个人首部音乐纪录片</a:t>
-            </a:r>
-            <a:r>
-              <a:rPr lang="en-US" altLang="zh-CN" dirty="0">
-                <a:latin typeface="+mn-ea"/>
-              </a:rPr>
-              <a:t>《</a:t>
-            </a:r>
-            <a:r>
-              <a:rPr lang="zh-CN" altLang="en-US" dirty="0">
-                <a:latin typeface="+mn-ea"/>
-              </a:rPr>
-              <a:t>听</a:t>
-            </a:r>
-            <a:r>
-              <a:rPr lang="en-US" altLang="zh-CN" dirty="0">
-                <a:latin typeface="+mn-ea"/>
-              </a:rPr>
-              <a:t>·</a:t>
-            </a:r>
-            <a:r>
-              <a:rPr lang="zh-CN" altLang="en-US" dirty="0">
-                <a:latin typeface="+mn-ea"/>
-              </a:rPr>
-              <a:t>见林俊杰</a:t>
-            </a:r>
-            <a:r>
-              <a:rPr lang="en-US" altLang="zh-CN" dirty="0">
-                <a:latin typeface="+mn-ea"/>
-              </a:rPr>
-              <a:t>》[6]  </a:t>
-            </a:r>
-            <a:r>
-              <a:rPr lang="zh-CN" altLang="en-US" dirty="0">
-                <a:latin typeface="+mn-ea"/>
-              </a:rPr>
-              <a:t>。截止到</a:t>
-            </a:r>
-            <a:r>
-              <a:rPr lang="en-US" altLang="zh-CN" dirty="0">
-                <a:latin typeface="+mn-ea"/>
-              </a:rPr>
-              <a:t>2016</a:t>
-            </a:r>
-            <a:r>
-              <a:rPr lang="zh-CN" altLang="en-US" dirty="0">
-                <a:latin typeface="+mn-ea"/>
-              </a:rPr>
-              <a:t>年，已发行</a:t>
-            </a:r>
-            <a:r>
-              <a:rPr lang="en-US" altLang="zh-CN" dirty="0">
-                <a:latin typeface="+mn-ea"/>
-              </a:rPr>
-              <a:t>12</a:t>
-            </a:r>
-            <a:r>
-              <a:rPr lang="zh-CN" altLang="en-US" dirty="0">
-                <a:latin typeface="+mn-ea"/>
-              </a:rPr>
-              <a:t>张正式专辑，累计创作数百首歌曲。</a:t>
-            </a:r>
-          </a:p>
-          <a:p>
-            <a:r>
-              <a:rPr lang="en-US" altLang="zh-CN" dirty="0">
-                <a:latin typeface="+mn-ea"/>
-              </a:rPr>
-              <a:t>2007</a:t>
-            </a:r>
-            <a:r>
-              <a:rPr lang="zh-CN" altLang="en-US" dirty="0">
-                <a:latin typeface="+mn-ea"/>
-              </a:rPr>
-              <a:t>年成立个人音乐制作公司</a:t>
-            </a:r>
-            <a:r>
-              <a:rPr lang="en-US" altLang="zh-CN" dirty="0">
-                <a:latin typeface="+mn-ea"/>
-              </a:rPr>
-              <a:t>JFJ Productions</a:t>
-            </a:r>
-            <a:r>
-              <a:rPr lang="zh-CN" altLang="en-US" dirty="0">
-                <a:latin typeface="+mn-ea"/>
-              </a:rPr>
-              <a:t>。</a:t>
-            </a:r>
-            <a:r>
-              <a:rPr lang="en-US" altLang="zh-CN" dirty="0">
-                <a:latin typeface="+mn-ea"/>
-              </a:rPr>
-              <a:t>2008</a:t>
-            </a:r>
-            <a:r>
-              <a:rPr lang="zh-CN" altLang="en-US" dirty="0">
-                <a:latin typeface="+mn-ea"/>
-              </a:rPr>
-              <a:t>年创立潮流品牌</a:t>
-            </a:r>
-            <a:r>
-              <a:rPr lang="en-US" altLang="zh-CN" dirty="0">
-                <a:latin typeface="+mn-ea"/>
-              </a:rPr>
-              <a:t>SMG</a:t>
-            </a:r>
-            <a:r>
-              <a:rPr lang="zh-CN" altLang="en-US" dirty="0">
-                <a:latin typeface="+mn-ea"/>
-              </a:rPr>
-              <a:t>。</a:t>
-            </a:r>
-          </a:p>
-          <a:p>
-            <a:r>
-              <a:rPr lang="en-US" altLang="zh-CN" dirty="0">
-                <a:latin typeface="+mn-ea"/>
-              </a:rPr>
-              <a:t>2004</a:t>
-            </a:r>
-            <a:r>
-              <a:rPr lang="zh-CN" altLang="en-US" dirty="0">
-                <a:latin typeface="+mn-ea"/>
-              </a:rPr>
-              <a:t>年、</a:t>
-            </a:r>
-            <a:r>
-              <a:rPr lang="en-US" altLang="zh-CN" dirty="0">
-                <a:latin typeface="+mn-ea"/>
-              </a:rPr>
-              <a:t>2015</a:t>
-            </a:r>
-            <a:r>
-              <a:rPr lang="zh-CN" altLang="en-US" dirty="0">
-                <a:latin typeface="+mn-ea"/>
-              </a:rPr>
-              <a:t>年两度受邀演唱新加坡国庆庆典主题曲</a:t>
-            </a:r>
-            <a:r>
-              <a:rPr lang="en-US" altLang="zh-CN" dirty="0">
-                <a:latin typeface="+mn-ea"/>
-              </a:rPr>
-              <a:t>[7]  </a:t>
-            </a:r>
-            <a:r>
-              <a:rPr lang="zh-CN" altLang="en-US" dirty="0">
-                <a:latin typeface="+mn-ea"/>
-              </a:rPr>
-              <a:t>，担任</a:t>
-            </a:r>
-            <a:r>
-              <a:rPr lang="en-US" altLang="zh-CN" dirty="0">
-                <a:latin typeface="+mn-ea"/>
-              </a:rPr>
-              <a:t>2008</a:t>
-            </a:r>
-            <a:r>
-              <a:rPr lang="zh-CN" altLang="en-US" dirty="0">
-                <a:latin typeface="+mn-ea"/>
-              </a:rPr>
-              <a:t>年北京奥运会</a:t>
-            </a:r>
-            <a:r>
-              <a:rPr lang="en-US" altLang="zh-CN" dirty="0">
-                <a:latin typeface="+mn-ea"/>
-              </a:rPr>
-              <a:t>[8]  </a:t>
-            </a:r>
-            <a:r>
-              <a:rPr lang="zh-CN" altLang="en-US" dirty="0">
-                <a:latin typeface="+mn-ea"/>
-              </a:rPr>
-              <a:t>及</a:t>
-            </a:r>
-            <a:r>
-              <a:rPr lang="en-US" altLang="zh-CN" dirty="0">
-                <a:latin typeface="+mn-ea"/>
-              </a:rPr>
-              <a:t>2010</a:t>
-            </a:r>
-            <a:r>
-              <a:rPr lang="zh-CN" altLang="en-US" dirty="0">
-                <a:latin typeface="+mn-ea"/>
-              </a:rPr>
-              <a:t>年新加坡青奥会</a:t>
-            </a:r>
-            <a:r>
-              <a:rPr lang="en-US" altLang="zh-CN" dirty="0">
-                <a:latin typeface="+mn-ea"/>
-              </a:rPr>
-              <a:t>[9]  </a:t>
-            </a:r>
-            <a:r>
-              <a:rPr lang="zh-CN" altLang="en-US" dirty="0">
-                <a:latin typeface="+mn-ea"/>
-              </a:rPr>
-              <a:t>火炬手，创作并演唱</a:t>
-            </a:r>
-            <a:r>
-              <a:rPr lang="en-US" altLang="zh-CN" dirty="0">
-                <a:latin typeface="+mn-ea"/>
-              </a:rPr>
-              <a:t>2010</a:t>
-            </a:r>
-            <a:r>
-              <a:rPr lang="zh-CN" altLang="en-US" dirty="0">
-                <a:latin typeface="+mn-ea"/>
-              </a:rPr>
-              <a:t>年上海世博会新加坡馆主题曲</a:t>
-            </a:r>
-            <a:r>
-              <a:rPr lang="en-US" altLang="zh-CN" dirty="0">
-                <a:latin typeface="+mn-ea"/>
-              </a:rPr>
-              <a:t>《</a:t>
-            </a:r>
-            <a:r>
-              <a:rPr lang="zh-CN" altLang="en-US" dirty="0">
-                <a:latin typeface="+mn-ea"/>
-              </a:rPr>
-              <a:t>感动每一刻</a:t>
-            </a:r>
-            <a:r>
-              <a:rPr lang="en-US" altLang="zh-CN" dirty="0">
-                <a:latin typeface="+mn-ea"/>
-              </a:rPr>
-              <a:t>》[10]  </a:t>
-            </a:r>
-            <a:r>
-              <a:rPr lang="zh-CN" altLang="en-US" dirty="0">
-                <a:latin typeface="+mn-ea"/>
-              </a:rPr>
-              <a:t>。凭借在音乐创作与慈善公益等方面的表现，</a:t>
-            </a:r>
-            <a:r>
-              <a:rPr lang="en-US" altLang="zh-CN" dirty="0">
-                <a:latin typeface="+mn-ea"/>
-              </a:rPr>
-              <a:t>2009</a:t>
-            </a:r>
-            <a:r>
-              <a:rPr lang="zh-CN" altLang="en-US" dirty="0">
-                <a:latin typeface="+mn-ea"/>
-              </a:rPr>
-              <a:t>年荣获新加坡杰出青年奖</a:t>
-            </a:r>
-            <a:r>
-              <a:rPr lang="en-US" altLang="zh-CN" dirty="0">
-                <a:latin typeface="+mn-ea"/>
-              </a:rPr>
-              <a:t>[11]  </a:t>
-            </a:r>
-            <a:r>
-              <a:rPr lang="zh-CN" altLang="en-US" dirty="0">
-                <a:latin typeface="+mn-ea"/>
-              </a:rPr>
-              <a:t>，</a:t>
-            </a:r>
-            <a:r>
-              <a:rPr lang="en-US" altLang="zh-CN" dirty="0">
-                <a:latin typeface="+mn-ea"/>
-              </a:rPr>
-              <a:t>2014</a:t>
-            </a:r>
-            <a:r>
-              <a:rPr lang="zh-CN" altLang="en-US" dirty="0">
-                <a:latin typeface="+mn-ea"/>
-              </a:rPr>
-              <a:t>年获得第</a:t>
-            </a:r>
-            <a:r>
-              <a:rPr lang="en-US" altLang="zh-CN" dirty="0">
-                <a:latin typeface="+mn-ea"/>
-              </a:rPr>
-              <a:t>5</a:t>
-            </a:r>
-            <a:r>
-              <a:rPr lang="zh-CN" altLang="en-US" dirty="0">
-                <a:latin typeface="+mn-ea"/>
-              </a:rPr>
-              <a:t>届通商中国青年奖</a:t>
-            </a:r>
-            <a:r>
-              <a:rPr lang="en-US" altLang="zh-CN" dirty="0">
-                <a:latin typeface="+mn-ea"/>
-              </a:rPr>
-              <a:t>[12]  </a:t>
-            </a:r>
-            <a:r>
-              <a:rPr lang="zh-CN" altLang="en-US" dirty="0">
-                <a:latin typeface="+mn-ea"/>
-              </a:rPr>
-              <a:t>。</a:t>
-            </a:r>
+              <a:t>届通商中国青年</a:t>
+            </a:r>
+            <a:r>
+              <a:rPr lang="zh-CN" altLang="en-US" dirty="0" smtClean="0">
+                <a:latin typeface="+mn-ea"/>
+              </a:rPr>
+              <a:t>奖。</a:t>
+            </a:r>
+            <a:endParaRPr lang="zh-CN" altLang="en-US" dirty="0">
+              <a:latin typeface="+mn-ea"/>
+            </a:endParaRPr>
           </a:p>
         </p:txBody>
       </p:sp>
@@ -7002,31 +7200,6 @@
               </a:rPr>
               <a:t>人物介绍</a:t>
             </a:r>
-            <a:endParaRPr lang="zh-CN" altLang="en-US" sz="6000" dirty="0">
-              <a:ln w="0"/>
-              <a:gradFill>
-                <a:gsLst>
-                  <a:gs pos="0">
-                    <a:schemeClr val="accent5">
-                      <a:lumMod val="50000"/>
-                    </a:schemeClr>
-                  </a:gs>
-                  <a:gs pos="50000">
-                    <a:schemeClr val="accent5"/>
-                  </a:gs>
-                  <a:gs pos="100000">
-                    <a:schemeClr val="accent5">
-                      <a:lumMod val="60000"/>
-                      <a:lumOff val="40000"/>
-                    </a:schemeClr>
-                  </a:gs>
-                </a:gsLst>
-                <a:lin ang="5400000"/>
-              </a:gradFill>
-              <a:effectLst>
-                <a:reflection blurRad="6350" stA="53000" endA="300" endPos="35500" dir="5400000" sy="-90000" algn="bl" rotWithShape="0"/>
-              </a:effectLst>
-            </a:endParaRPr>
           </a:p>
         </p:txBody>
       </p:sp>
@@ -7067,6 +7240,224 @@
           <a:chExt cx="0" cy="0"/>
         </a:xfrm>
       </p:grpSpPr>
+      <p:sp>
+        <p:nvSpPr>
+          <p:cNvPr id="3" name="内容占位符 2"/>
+          <p:cNvSpPr>
+            <a:spLocks noGrp="1"/>
+          </p:cNvSpPr>
+          <p:nvPr>
+            <p:ph sz="quarter" idx="13"/>
+          </p:nvPr>
+        </p:nvSpPr>
+        <p:spPr>
+          <a:xfrm>
+            <a:off x="1637674" y="2252792"/>
+            <a:ext cx="6109326" cy="3424107"/>
+          </a:xfrm>
+        </p:spPr>
+        <p:txBody>
+          <a:bodyPr>
+            <a:normAutofit/>
+          </a:bodyPr>
+          <a:lstStyle/>
+          <a:p>
+            <a:r>
+              <a:rPr lang="zh-CN" altLang="en-US" sz="2400" dirty="0">
+                <a:latin typeface="+mn-ea"/>
+              </a:rPr>
+              <a:t>新加坡杰出青年 </a:t>
+            </a:r>
+          </a:p>
+          <a:p>
+            <a:r>
+              <a:rPr lang="zh-CN" altLang="en-US" sz="2400" dirty="0">
+                <a:latin typeface="+mn-ea"/>
+              </a:rPr>
+              <a:t>两届台湾金曲奖最佳国语男歌手 </a:t>
+            </a:r>
+          </a:p>
+          <a:p>
+            <a:r>
+              <a:rPr lang="zh-CN" altLang="en-US" sz="2400" dirty="0">
+                <a:latin typeface="+mn-ea"/>
+              </a:rPr>
+              <a:t>第</a:t>
+            </a:r>
+            <a:r>
+              <a:rPr lang="en-US" altLang="zh-CN" sz="2400" dirty="0">
+                <a:latin typeface="+mn-ea"/>
+              </a:rPr>
+              <a:t>15</a:t>
+            </a:r>
+            <a:r>
+              <a:rPr lang="zh-CN" altLang="en-US" sz="2400" dirty="0">
+                <a:latin typeface="+mn-ea"/>
+              </a:rPr>
+              <a:t>届台湾金曲奖最佳新人 </a:t>
+            </a:r>
+          </a:p>
+          <a:p>
+            <a:r>
+              <a:rPr lang="en-US" altLang="zh-CN" sz="2400" dirty="0">
+                <a:latin typeface="+mn-ea"/>
+              </a:rPr>
+              <a:t>26</a:t>
+            </a:r>
+            <a:r>
+              <a:rPr lang="zh-CN" altLang="en-US" sz="2400" dirty="0">
+                <a:latin typeface="+mn-ea"/>
+              </a:rPr>
+              <a:t>个台湾</a:t>
+            </a:r>
+            <a:r>
+              <a:rPr lang="en-US" altLang="zh-CN" sz="2400" dirty="0">
+                <a:latin typeface="+mn-ea"/>
+              </a:rPr>
+              <a:t>Hito</a:t>
+            </a:r>
+            <a:r>
+              <a:rPr lang="zh-CN" altLang="en-US" sz="2400" dirty="0">
+                <a:latin typeface="+mn-ea"/>
+              </a:rPr>
+              <a:t>流行音乐奖项 </a:t>
+            </a:r>
+          </a:p>
+          <a:p>
+            <a:r>
+              <a:rPr lang="en-US" altLang="zh-CN" sz="2400" dirty="0">
+                <a:latin typeface="+mn-ea"/>
+              </a:rPr>
+              <a:t>25</a:t>
+            </a:r>
+            <a:r>
+              <a:rPr lang="zh-CN" altLang="en-US" sz="2400" dirty="0">
+                <a:latin typeface="+mn-ea"/>
+              </a:rPr>
+              <a:t>个中国</a:t>
+            </a:r>
+            <a:r>
+              <a:rPr lang="en-US" altLang="zh-CN" sz="2400" dirty="0">
+                <a:latin typeface="+mn-ea"/>
+              </a:rPr>
+              <a:t>TOP</a:t>
+            </a:r>
+            <a:r>
+              <a:rPr lang="zh-CN" altLang="en-US" sz="2400" dirty="0">
+                <a:latin typeface="+mn-ea"/>
+              </a:rPr>
+              <a:t>排行榜奖项</a:t>
+            </a:r>
+          </a:p>
+        </p:txBody>
+      </p:sp>
+      <p:sp>
+        <p:nvSpPr>
+          <p:cNvPr id="4" name="矩形 3"/>
+          <p:cNvSpPr/>
+          <p:nvPr/>
+        </p:nvSpPr>
+        <p:spPr>
+          <a:xfrm>
+            <a:off x="1637674" y="909935"/>
+            <a:ext cx="2967480" cy="923330"/>
+          </a:xfrm>
+          <a:prstGeom prst="rect">
+            <a:avLst/>
+          </a:prstGeom>
+          <a:noFill/>
+        </p:spPr>
+        <p:txBody>
+          <a:bodyPr wrap="none" lIns="91440" tIns="45720" rIns="91440" bIns="45720">
+            <a:spAutoFit/>
+          </a:bodyPr>
+          <a:lstStyle/>
+          <a:p>
+            <a:pPr algn="ctr"/>
+            <a:r>
+              <a:rPr lang="zh-CN" altLang="en-US" sz="5400" b="1" dirty="0" smtClean="0">
+                <a:ln w="12700">
+                  <a:solidFill>
+                    <a:schemeClr val="accent1"/>
+                  </a:solidFill>
+                  <a:prstDash val="solid"/>
+                </a:ln>
+                <a:pattFill prst="pct50">
+                  <a:fgClr>
+                    <a:schemeClr val="accent1"/>
+                  </a:fgClr>
+                  <a:bgClr>
+                    <a:schemeClr val="accent1">
+                      <a:lumMod val="20000"/>
+                      <a:lumOff val="80000"/>
+                    </a:schemeClr>
+                  </a:bgClr>
+                </a:pattFill>
+                <a:effectLst>
+                  <a:outerShdw dist="38100" dir="2640000" algn="bl" rotWithShape="0">
+                    <a:schemeClr val="accent1"/>
+                  </a:outerShdw>
+                </a:effectLst>
+              </a:rPr>
+              <a:t>主要成就</a:t>
+            </a:r>
+            <a:endParaRPr lang="zh-CN" altLang="en-US" sz="5400" b="1" cap="none" spc="0" dirty="0">
+              <a:ln w="12700">
+                <a:solidFill>
+                  <a:schemeClr val="accent1"/>
+                </a:solidFill>
+                <a:prstDash val="solid"/>
+              </a:ln>
+              <a:pattFill prst="pct50">
+                <a:fgClr>
+                  <a:schemeClr val="accent1"/>
+                </a:fgClr>
+                <a:bgClr>
+                  <a:schemeClr val="accent1">
+                    <a:lumMod val="20000"/>
+                    <a:lumOff val="80000"/>
+                  </a:schemeClr>
+                </a:bgClr>
+              </a:pattFill>
+              <a:effectLst>
+                <a:outerShdw dist="38100" dir="2640000" algn="bl" rotWithShape="0">
+                  <a:schemeClr val="accent1"/>
+                </a:outerShdw>
+              </a:effectLst>
+            </a:endParaRPr>
+          </a:p>
+        </p:txBody>
+      </p:sp>
+    </p:spTree>
+    <p:extLst>
+      <p:ext uri="{BB962C8B-B14F-4D97-AF65-F5344CB8AC3E}">
+        <p14:creationId xmlns:p14="http://schemas.microsoft.com/office/powerpoint/2010/main" val="4128404730"/>
+      </p:ext>
+    </p:extLst>
+  </p:cSld>
+  <p:clrMapOvr>
+    <a:masterClrMapping/>
+  </p:clrMapOvr>
+</p:sld>
+</file>
+
+<file path=ppt/slides/slide4.xml><?xml version="1.0" encoding="utf-8"?>
+<p:sld xmlns:a="http://schemas.openxmlformats.org/drawingml/2006/main" xmlns:r="http://schemas.openxmlformats.org/officeDocument/2006/relationships" xmlns:p="http://schemas.openxmlformats.org/presentationml/2006/main">
+  <p:cSld>
+    <p:spTree>
+      <p:nvGrpSpPr>
+        <p:cNvPr id="1" name=""/>
+        <p:cNvGrpSpPr/>
+        <p:nvPr/>
+      </p:nvGrpSpPr>
+      <p:grpSpPr>
+        <a:xfrm>
+          <a:off x="0" y="0"/>
+          <a:ext cx="0" cy="0"/>
+          <a:chOff x="0" y="0"/>
+          <a:chExt cx="0" cy="0"/>
+        </a:xfrm>
+      </p:grpSpPr>
       <p:pic>
         <p:nvPicPr>
           <p:cNvPr id="4" name="图片 3"/>
@@ -7581,7 +7972,7 @@
 </p:sld>
 </file>
 
-<file path=ppt/slides/slide4.xml><?xml version="1.0" encoding="utf-8"?>
+<file path=ppt/slides/slide5.xml><?xml version="1.0" encoding="utf-8"?>
 <p:sld xmlns:a="http://schemas.openxmlformats.org/drawingml/2006/main" xmlns:r="http://schemas.openxmlformats.org/officeDocument/2006/relationships" xmlns:p="http://schemas.openxmlformats.org/presentationml/2006/main">
   <p:cSld>
     <p:spTree>
@@ -8023,7 +8414,7 @@
 </p:sld>
 </file>
 
-<file path=ppt/slides/slide5.xml><?xml version="1.0" encoding="utf-8"?>
+<file path=ppt/slides/slide6.xml><?xml version="1.0" encoding="utf-8"?>
 <p:sld xmlns:a="http://schemas.openxmlformats.org/drawingml/2006/main" xmlns:r="http://schemas.openxmlformats.org/officeDocument/2006/relationships" xmlns:p="http://schemas.openxmlformats.org/presentationml/2006/main">
   <p:cSld>
     <p:spTree>
@@ -8359,7 +8750,7 @@
 </p:sld>
 </file>
 
-<file path=ppt/slides/slide6.xml><?xml version="1.0" encoding="utf-8"?>
+<file path=ppt/slides/slide7.xml><?xml version="1.0" encoding="utf-8"?>
 <p:sld xmlns:a="http://schemas.openxmlformats.org/drawingml/2006/main" xmlns:r="http://schemas.openxmlformats.org/officeDocument/2006/relationships" xmlns:p="http://schemas.openxmlformats.org/presentationml/2006/main">
   <p:cSld>
     <p:spTree>
@@ -8378,29 +8769,6 @@
       </p:grpSpPr>
       <p:sp>
         <p:nvSpPr>
-          <p:cNvPr id="2" name="标题 1"/>
-          <p:cNvSpPr>
-            <a:spLocks noGrp="1"/>
-          </p:cNvSpPr>
-          <p:nvPr>
-            <p:ph type="title"/>
-          </p:nvPr>
-        </p:nvSpPr>
-        <p:spPr/>
-        <p:txBody>
-          <a:bodyPr/>
-          <a:lstStyle/>
-          <a:p>
-            <a:r>
-              <a:rPr lang="en-US" altLang="zh-CN"/>
-              <a:t>https://www.zhihu.com/question/36789834/answer/69102498</a:t>
-            </a:r>
-            <a:endParaRPr lang="zh-CN" altLang="en-US"/>
-          </a:p>
-        </p:txBody>
-      </p:sp>
-      <p:sp>
-        <p:nvSpPr>
           <p:cNvPr id="3" name="内容占位符 2"/>
           <p:cNvSpPr>
             <a:spLocks noGrp="1"/>
@@ -8409,34 +8777,330 @@
             <p:ph sz="quarter" idx="13"/>
           </p:nvPr>
         </p:nvSpPr>
-        <p:spPr/>
+        <p:spPr>
+          <a:xfrm>
+            <a:off x="4717258" y="1412772"/>
+            <a:ext cx="6537970" cy="5196833"/>
+          </a:xfrm>
+        </p:spPr>
         <p:txBody>
           <a:bodyPr>
-            <a:normAutofit fontScale="92500" lnSpcReduction="20000"/>
+            <a:noAutofit/>
           </a:bodyPr>
           <a:lstStyle/>
           <a:p>
             <a:r>
-              <a:rPr lang="zh-CN" altLang="en-US" dirty="0"/>
-              <a:t>你见过哪个明星中文不好，还自己作曲填词亲自为歌迷写歌吗？？  你见过哪个明星在演唱会上用最真诚的眼泪来答谢歌迷吗？？  你见过哪个明星在签唱会上每签一张</a:t>
-            </a:r>
-            <a:r>
-              <a:rPr lang="en-US" altLang="zh-CN" dirty="0"/>
-              <a:t>CD</a:t>
-            </a:r>
-            <a:r>
-              <a:rPr lang="zh-CN" altLang="en-US" dirty="0"/>
-              <a:t>都说对歌迷说一声谢谢吗？  你见过哪个明星在同一首歌的舞台上歌迷上台献花，不管他唱到哪里都要停下来声谢谢吗？  你见过哪个明星不管自己多累即使是因为熬夜而眼里有血丝也要戴上墨镜对歌迷保持真诚的微笑吗？？  你见过哪个明星上节目总是为歌迷辩护吗？？  你见过哪个明星在签唱会上面对歌迷如潮的热情会偷偷掉下眼泪吗？？  你见过哪个明星会去和保安说不要伤害我的歌迷  你见过哪个明星情愿自己受伤都不要歌迷受伤  你见过哪个明星在歌迷送机的时候一再回头对大家说再见  你见过哪个明星总是把笑脸给歌迷看见，把不开心都隐藏起来  你见过哪个明星在唱歌后都要说谢谢并鞠一个躬呢  你见过哪个明星宁可让媒体失望也不假唱骗歌迷</a:t>
-            </a:r>
-            <a:r>
-              <a:rPr lang="en-US" altLang="zh-CN" dirty="0"/>
-              <a:t>?  </a:t>
-            </a:r>
-            <a:r>
-              <a:rPr lang="zh-CN" altLang="en-US" dirty="0"/>
-              <a:t>你见过哪个明星在知道便当是歌迷送的以后，不顾自己胃不好而去吃凉便当吗？  你见过哪个明星，只要是歌迷的请求，他都不拒绝的吗？</a:t>
-            </a:r>
-            <a:endParaRPr lang="zh-CN" altLang="en-US" dirty="0"/>
+              <a:rPr lang="zh-CN" altLang="en-US" sz="2400" dirty="0" smtClean="0"/>
+              <a:t>在</a:t>
+            </a:r>
+            <a:r>
+              <a:rPr lang="zh-CN" altLang="en-US" sz="2400" dirty="0"/>
+              <a:t>百忙的新专辑宣传期，俊杰抽出了在两个通告之间的一个小时，边吃饭，边上网和歌迷互动，一开始以为他只是草草看看而已，可是他却每一页，每一贴，认认真真的看，歌迷的话都在认真的看，歌迷的头像都会小研究一下，赶下一个通告的时候，他碗裏的饭根本没怎麼动。</a:t>
+            </a:r>
+          </a:p>
+          <a:p>
+            <a:r>
+              <a:rPr lang="zh-CN" altLang="en-US" sz="2400" dirty="0" smtClean="0"/>
+              <a:t>有人</a:t>
+            </a:r>
+            <a:r>
+              <a:rPr lang="zh-CN" altLang="en-US" sz="2400" dirty="0"/>
+              <a:t>采访俊杰做节目，要搜查他的包包，俊杰包包裏面，除了必备的物品：头痛药、滴眼液、还放了一样东西：是歌迷的信</a:t>
+            </a:r>
+            <a:r>
+              <a:rPr lang="zh-CN" altLang="en-US" sz="2400" dirty="0" smtClean="0"/>
+              <a:t>。</a:t>
+            </a:r>
+            <a:endParaRPr lang="en-US" altLang="zh-CN" sz="2400" dirty="0" smtClean="0"/>
+          </a:p>
+          <a:p>
+            <a:endParaRPr lang="zh-CN" altLang="en-US" sz="2400" dirty="0"/>
+          </a:p>
+          <a:p>
+            <a:endParaRPr lang="zh-CN" altLang="en-US" sz="2400" dirty="0"/>
+          </a:p>
+        </p:txBody>
+      </p:sp>
+      <p:sp>
+        <p:nvSpPr>
+          <p:cNvPr id="4" name="矩形 3"/>
+          <p:cNvSpPr/>
+          <p:nvPr/>
+        </p:nvSpPr>
+        <p:spPr>
+          <a:xfrm>
+            <a:off x="2010925" y="452735"/>
+            <a:ext cx="5750292" cy="923330"/>
+          </a:xfrm>
+          <a:prstGeom prst="rect">
+            <a:avLst/>
+          </a:prstGeom>
+          <a:noFill/>
+        </p:spPr>
+        <p:txBody>
+          <a:bodyPr wrap="none" lIns="91440" tIns="45720" rIns="91440" bIns="45720">
+            <a:spAutoFit/>
+          </a:bodyPr>
+          <a:lstStyle/>
+          <a:p>
+            <a:pPr algn="ctr"/>
+            <a:r>
+              <a:rPr lang="zh-CN" altLang="en-US" sz="5400" b="1" dirty="0" smtClean="0">
+                <a:ln w="6600">
+                  <a:solidFill>
+                    <a:schemeClr val="accent2"/>
+                  </a:solidFill>
+                  <a:prstDash val="solid"/>
+                </a:ln>
+                <a:solidFill>
+                  <a:srgbClr val="FFFFFF"/>
+                </a:solidFill>
+                <a:effectLst>
+                  <a:outerShdw dist="38100" dir="2700000" algn="tl" rotWithShape="0">
+                    <a:schemeClr val="accent2"/>
+                  </a:outerShdw>
+                </a:effectLst>
+              </a:rPr>
+              <a:t>你不知道的林俊杰</a:t>
+            </a:r>
+            <a:endParaRPr lang="zh-CN" altLang="en-US" sz="5400" b="1" dirty="0">
+              <a:ln w="6600">
+                <a:solidFill>
+                  <a:schemeClr val="accent2"/>
+                </a:solidFill>
+                <a:prstDash val="solid"/>
+              </a:ln>
+              <a:solidFill>
+                <a:srgbClr val="FFFFFF"/>
+              </a:solidFill>
+              <a:effectLst>
+                <a:outerShdw dist="38100" dir="2700000" algn="tl" rotWithShape="0">
+                  <a:schemeClr val="accent2"/>
+                </a:outerShdw>
+              </a:effectLst>
+            </a:endParaRPr>
+          </a:p>
+        </p:txBody>
+      </p:sp>
+      <p:pic>
+        <p:nvPicPr>
+          <p:cNvPr id="5" name="图片 4"/>
+          <p:cNvPicPr>
+            <a:picLocks noChangeAspect="1"/>
+          </p:cNvPicPr>
+          <p:nvPr/>
+        </p:nvPicPr>
+        <p:blipFill>
+          <a:blip r:embed="rId2">
+            <a:extLst>
+              <a:ext uri="{28A0092B-C50C-407E-A947-70E740481C1C}">
+                <a14:useLocalDpi xmlns:a14="http://schemas.microsoft.com/office/drawing/2010/main" val="0"/>
+              </a:ext>
+            </a:extLst>
+          </a:blip>
+          <a:stretch>
+            <a:fillRect/>
+          </a:stretch>
+        </p:blipFill>
+        <p:spPr>
+          <a:xfrm>
+            <a:off x="998806" y="1376065"/>
+            <a:ext cx="3577853" cy="5106572"/>
+          </a:xfrm>
+          <a:prstGeom prst="rect">
+            <a:avLst/>
+          </a:prstGeom>
+        </p:spPr>
+      </p:pic>
+    </p:spTree>
+    <p:extLst>
+      <p:ext uri="{BB962C8B-B14F-4D97-AF65-F5344CB8AC3E}">
+        <p14:creationId xmlns:p14="http://schemas.microsoft.com/office/powerpoint/2010/main" val="2705865656"/>
+      </p:ext>
+    </p:extLst>
+  </p:cSld>
+  <p:clrMapOvr>
+    <a:masterClrMapping/>
+  </p:clrMapOvr>
+  <p:timing>
+    <p:tnLst>
+      <p:par>
+        <p:cTn id="1" dur="indefinite" restart="never" nodeType="tmRoot"/>
+      </p:par>
+    </p:tnLst>
+  </p:timing>
+</p:sld>
+</file>
+
+<file path=ppt/slides/slide8.xml><?xml version="1.0" encoding="utf-8"?>
+<p:sld xmlns:a="http://schemas.openxmlformats.org/drawingml/2006/main" xmlns:r="http://schemas.openxmlformats.org/officeDocument/2006/relationships" xmlns:p="http://schemas.openxmlformats.org/presentationml/2006/main">
+  <p:cSld>
+    <p:spTree>
+      <p:nvGrpSpPr>
+        <p:cNvPr id="1" name=""/>
+        <p:cNvGrpSpPr/>
+        <p:nvPr/>
+      </p:nvGrpSpPr>
+      <p:grpSpPr>
+        <a:xfrm>
+          <a:off x="0" y="0"/>
+          <a:ext cx="0" cy="0"/>
+          <a:chOff x="0" y="0"/>
+          <a:chExt cx="0" cy="0"/>
+        </a:xfrm>
+      </p:grpSpPr>
+      <p:sp>
+        <p:nvSpPr>
+          <p:cNvPr id="3" name="内容占位符 2"/>
+          <p:cNvSpPr>
+            <a:spLocks noGrp="1"/>
+          </p:cNvSpPr>
+          <p:nvPr>
+            <p:ph sz="quarter" idx="13"/>
+          </p:nvPr>
+        </p:nvSpPr>
+        <p:spPr>
+          <a:xfrm>
+            <a:off x="1015374" y="1046292"/>
+            <a:ext cx="10363826" cy="4490908"/>
+          </a:xfrm>
+        </p:spPr>
+        <p:txBody>
+          <a:bodyPr>
+            <a:noAutofit/>
+          </a:bodyPr>
+          <a:lstStyle/>
+          <a:p>
+            <a:r>
+              <a:rPr lang="zh-CN" altLang="en-US" sz="2400" dirty="0" smtClean="0"/>
+              <a:t>机场</a:t>
+            </a:r>
+            <a:r>
+              <a:rPr lang="zh-CN" altLang="en-US" sz="2400" dirty="0"/>
+              <a:t>出来。他始终挂着最甜的微笑，即使好多 </a:t>
+            </a:r>
+            <a:r>
+              <a:rPr lang="en-US" altLang="zh-CN" sz="2400" dirty="0"/>
+              <a:t>JM </a:t>
+            </a:r>
+            <a:r>
+              <a:rPr lang="zh-CN" altLang="en-US" sz="2400" dirty="0"/>
+              <a:t>都在拍他肩膀，扯他，挤他，连经纪人都发了好大的火，可是只有 </a:t>
+            </a:r>
+            <a:r>
+              <a:rPr lang="en-US" altLang="zh-CN" sz="2400" dirty="0"/>
+              <a:t>JJ</a:t>
+            </a:r>
+            <a:r>
+              <a:rPr lang="zh-CN" altLang="en-US" sz="2400" dirty="0"/>
+              <a:t>一直微笑，不停说谢谢</a:t>
+            </a:r>
+            <a:r>
+              <a:rPr lang="zh-CN" altLang="en-US" sz="2400" dirty="0" smtClean="0"/>
+              <a:t>。</a:t>
+            </a:r>
+            <a:endParaRPr lang="en-US" altLang="zh-CN" sz="2400" dirty="0" smtClean="0"/>
+          </a:p>
+          <a:p>
+            <a:r>
+              <a:rPr lang="zh-CN" altLang="en-US" sz="2400" dirty="0" smtClean="0"/>
+              <a:t>现场</a:t>
+            </a:r>
+            <a:r>
+              <a:rPr lang="zh-CN" altLang="en-US" sz="2400" dirty="0"/>
+              <a:t>创作， </a:t>
+            </a:r>
+            <a:r>
+              <a:rPr lang="en-US" altLang="zh-CN" sz="2400" dirty="0"/>
+              <a:t>JJ </a:t>
+            </a:r>
+            <a:r>
+              <a:rPr lang="zh-CN" altLang="en-US" sz="2400" dirty="0"/>
+              <a:t>唱到</a:t>
+            </a:r>
+            <a:r>
+              <a:rPr lang="zh-CN" altLang="en-US" sz="2400" dirty="0" smtClean="0"/>
+              <a:t>：没有你们我什么也不是，好多 </a:t>
+            </a:r>
+            <a:r>
+              <a:rPr lang="en-US" altLang="zh-CN" sz="2400" dirty="0" smtClean="0"/>
+              <a:t>JM </a:t>
+            </a:r>
+            <a:r>
+              <a:rPr lang="zh-CN" altLang="en-US" sz="2400" dirty="0" smtClean="0"/>
+              <a:t>哭了，然后 </a:t>
+            </a:r>
+            <a:r>
+              <a:rPr lang="en-US" altLang="zh-CN" sz="2400" dirty="0" smtClean="0"/>
+              <a:t>JJ </a:t>
+            </a:r>
+            <a:r>
+              <a:rPr lang="zh-CN" altLang="en-US" sz="2400" dirty="0" smtClean="0"/>
+              <a:t>又着急的说，别哭嘛。我会想你们的。要注意身体啊！ 我就再也忍不住哇的哭出来。没去现场的亲们一定不知道，他唱歌的时候。声音好柔软，好柔软。他要我们别</a:t>
+            </a:r>
+            <a:r>
+              <a:rPr lang="zh-CN" altLang="en-US" sz="2400" dirty="0"/>
+              <a:t>哭，要我们注意身体的时候真的感觉好窝心</a:t>
+            </a:r>
+            <a:r>
+              <a:rPr lang="zh-CN" altLang="en-US" sz="2400" dirty="0" smtClean="0"/>
+              <a:t>。</a:t>
+            </a:r>
+            <a:endParaRPr lang="en-US" altLang="zh-CN" sz="2400" dirty="0"/>
+          </a:p>
+          <a:p>
+            <a:r>
+              <a:rPr lang="zh-CN" altLang="en-US" sz="2400" dirty="0"/>
+              <a:t>在最混乱的时候。我旁边的 </a:t>
+            </a:r>
+            <a:r>
+              <a:rPr lang="en-US" altLang="zh-CN" sz="2400" dirty="0"/>
+              <a:t>JM </a:t>
+            </a:r>
+            <a:r>
+              <a:rPr lang="zh-CN" altLang="en-US" sz="2400" dirty="0"/>
+              <a:t>被推倒了。 </a:t>
+            </a:r>
+            <a:r>
+              <a:rPr lang="en-US" altLang="zh-CN" sz="2400" dirty="0"/>
+              <a:t>JJ </a:t>
+            </a:r>
+            <a:r>
+              <a:rPr lang="zh-CN" altLang="en-US" sz="2400" dirty="0"/>
+              <a:t>已经握完手回到台上了。可是看到摔倒的 </a:t>
+            </a:r>
+            <a:r>
+              <a:rPr lang="en-US" altLang="zh-CN" sz="2400" dirty="0"/>
+              <a:t>JM~ </a:t>
+            </a:r>
+            <a:r>
+              <a:rPr lang="zh-CN" altLang="en-US" sz="2400" dirty="0"/>
+              <a:t>他居然有跑下台来扶她。当时真的很不安全 </a:t>
+            </a:r>
+            <a:r>
+              <a:rPr lang="en-US" altLang="zh-CN" sz="2400" dirty="0"/>
+              <a:t>~ </a:t>
+            </a:r>
+            <a:r>
+              <a:rPr lang="zh-CN" altLang="en-US" sz="2400" dirty="0"/>
+              <a:t>！主持人都没动，可是 </a:t>
+            </a:r>
+            <a:r>
+              <a:rPr lang="en-US" altLang="zh-CN" sz="2400" dirty="0"/>
+              <a:t>JJ </a:t>
+            </a:r>
+            <a:r>
+              <a:rPr lang="zh-CN" altLang="en-US" sz="2400" dirty="0"/>
+              <a:t>跑过来扶起她，说，小心哦，注意安全</a:t>
+            </a:r>
+            <a:r>
+              <a:rPr lang="zh-CN" altLang="en-US" sz="2400" dirty="0" smtClean="0"/>
+              <a:t>。</a:t>
+            </a:r>
+            <a:endParaRPr lang="zh-CN" altLang="en-US" sz="2400" dirty="0"/>
+          </a:p>
+          <a:p>
+            <a:endParaRPr lang="zh-CN" altLang="en-US" sz="2400" dirty="0"/>
           </a:p>
         </p:txBody>
       </p:sp>
@@ -8444,6 +9108,180 @@
     <p:extLst>
       <p:ext uri="{BB962C8B-B14F-4D97-AF65-F5344CB8AC3E}">
         <p14:creationId xmlns:p14="http://schemas.microsoft.com/office/powerpoint/2010/main" val="2986991372"/>
+      </p:ext>
+    </p:extLst>
+  </p:cSld>
+  <p:clrMapOvr>
+    <a:masterClrMapping/>
+  </p:clrMapOvr>
+  <p:timing>
+    <p:tnLst>
+      <p:par>
+        <p:cTn id="1" dur="indefinite" restart="never" nodeType="tmRoot"/>
+      </p:par>
+    </p:tnLst>
+  </p:timing>
+</p:sld>
+</file>
+
+<file path=ppt/slides/slide9.xml><?xml version="1.0" encoding="utf-8"?>
+<p:sld xmlns:a="http://schemas.openxmlformats.org/drawingml/2006/main" xmlns:r="http://schemas.openxmlformats.org/officeDocument/2006/relationships" xmlns:p="http://schemas.openxmlformats.org/presentationml/2006/main">
+  <p:cSld>
+    <p:spTree>
+      <p:nvGrpSpPr>
+        <p:cNvPr id="1" name=""/>
+        <p:cNvGrpSpPr/>
+        <p:nvPr/>
+      </p:nvGrpSpPr>
+      <p:grpSpPr>
+        <a:xfrm>
+          <a:off x="0" y="0"/>
+          <a:ext cx="0" cy="0"/>
+          <a:chOff x="0" y="0"/>
+          <a:chExt cx="0" cy="0"/>
+        </a:xfrm>
+      </p:grpSpPr>
+      <p:sp>
+        <p:nvSpPr>
+          <p:cNvPr id="3" name="内容占位符 2"/>
+          <p:cNvSpPr>
+            <a:spLocks noGrp="1"/>
+          </p:cNvSpPr>
+          <p:nvPr>
+            <p:ph sz="quarter" idx="13"/>
+          </p:nvPr>
+        </p:nvSpPr>
+        <p:spPr>
+          <a:xfrm>
+            <a:off x="424240" y="1062726"/>
+            <a:ext cx="6704907" cy="3397926"/>
+          </a:xfrm>
+        </p:spPr>
+        <p:txBody>
+          <a:bodyPr>
+            <a:noAutofit/>
+          </a:bodyPr>
+          <a:lstStyle/>
+          <a:p>
+            <a:r>
+              <a:rPr lang="en-US" altLang="zh-CN" sz="2400" dirty="0" smtClean="0"/>
+              <a:t>JJ</a:t>
+            </a:r>
+            <a:r>
+              <a:rPr lang="zh-CN" altLang="en-US" sz="2400" dirty="0"/>
+              <a:t>签售的时候知道当地有灾情 立马掏出自己身上所有的现金 就连自己的钱包也捐出去 后来才发现 对工作人员说 别忘了把钱包裏的卡还给</a:t>
+            </a:r>
+            <a:r>
+              <a:rPr lang="zh-CN" altLang="en-US" sz="2400" dirty="0" smtClean="0"/>
+              <a:t>他。</a:t>
+            </a:r>
+            <a:endParaRPr lang="en-US" altLang="zh-CN" sz="2400" dirty="0" smtClean="0"/>
+          </a:p>
+          <a:p>
+            <a:r>
+              <a:rPr lang="zh-CN" altLang="en-US" sz="2400" dirty="0" smtClean="0"/>
+              <a:t> 在</a:t>
+            </a:r>
+            <a:r>
+              <a:rPr lang="zh-CN" altLang="en-US" sz="2400" dirty="0"/>
+              <a:t>四川地震的时候，他一得知就推掉了后面所有的行程，自己掏钱去四川，上电视台为四川加油，而且在第一时间就捐了</a:t>
+            </a:r>
+            <a:r>
+              <a:rPr lang="en-US" altLang="zh-CN" sz="2400" dirty="0"/>
+              <a:t>50</a:t>
+            </a:r>
+            <a:r>
+              <a:rPr lang="zh-CN" altLang="en-US" sz="2400" dirty="0"/>
+              <a:t>万，然后又陆续的捐了几十万，手写便签纸条鼓励灾区高考的学子，而且</a:t>
+            </a:r>
+            <a:r>
+              <a:rPr lang="en-US" altLang="zh-CN" sz="2400" dirty="0"/>
+              <a:t>2</a:t>
+            </a:r>
+            <a:r>
+              <a:rPr lang="zh-CN" altLang="en-US" sz="2400" dirty="0" smtClean="0"/>
+              <a:t>天</a:t>
+            </a:r>
+            <a:r>
+              <a:rPr lang="en-US" altLang="zh-CN" sz="2400" dirty="0"/>
+              <a:t>1 </a:t>
+            </a:r>
+            <a:r>
+              <a:rPr lang="zh-CN" altLang="en-US" sz="2400" dirty="0" smtClean="0"/>
+              <a:t>夜没合眼写</a:t>
+            </a:r>
+            <a:r>
+              <a:rPr lang="zh-CN" altLang="en-US" sz="2400" dirty="0"/>
+              <a:t>下</a:t>
+            </a:r>
+            <a:r>
+              <a:rPr lang="en-US" altLang="zh-CN" sz="2400" dirty="0"/>
+              <a:t>«</a:t>
+            </a:r>
+            <a:r>
+              <a:rPr lang="zh-CN" altLang="en-US" sz="2400" dirty="0"/>
+              <a:t>爱与希望</a:t>
+            </a:r>
+            <a:r>
+              <a:rPr lang="en-US" altLang="zh-CN" sz="2400" dirty="0"/>
+              <a:t>»</a:t>
+            </a:r>
+            <a:r>
+              <a:rPr lang="zh-CN" altLang="en-US" sz="2400" dirty="0"/>
+              <a:t>，是华人第一个为四川地震写歌的人</a:t>
+            </a:r>
+            <a:r>
+              <a:rPr lang="zh-CN" altLang="en-US" sz="2400" dirty="0" smtClean="0"/>
+              <a:t>。</a:t>
+            </a:r>
+            <a:r>
+              <a:rPr lang="zh-CN" altLang="en-US" sz="2400" dirty="0"/>
+              <a:t>他已经不知道要睡觉休息了。得知内地有各种赈灾义演，他嚷着报名参加。</a:t>
+            </a:r>
+            <a:endParaRPr lang="en-US" altLang="zh-CN" sz="2400" dirty="0"/>
+          </a:p>
+          <a:p>
+            <a:pPr marL="0" indent="0">
+              <a:buNone/>
+            </a:pPr>
+            <a:endParaRPr lang="zh-CN" altLang="en-US" sz="2400" dirty="0"/>
+          </a:p>
+        </p:txBody>
+      </p:sp>
+      <p:pic>
+        <p:nvPicPr>
+          <p:cNvPr id="4" name="图片 3"/>
+          <p:cNvPicPr>
+            <a:picLocks noChangeAspect="1"/>
+          </p:cNvPicPr>
+          <p:nvPr/>
+        </p:nvPicPr>
+        <p:blipFill>
+          <a:blip r:embed="rId2">
+            <a:extLst>
+              <a:ext uri="{28A0092B-C50C-407E-A947-70E740481C1C}">
+                <a14:useLocalDpi xmlns:a14="http://schemas.microsoft.com/office/drawing/2010/main" val="0"/>
+              </a:ext>
+            </a:extLst>
+          </a:blip>
+          <a:stretch>
+            <a:fillRect/>
+          </a:stretch>
+        </p:blipFill>
+        <p:spPr>
+          <a:xfrm>
+            <a:off x="7129147" y="1414418"/>
+            <a:ext cx="4781501" cy="3467237"/>
+          </a:xfrm>
+          <a:prstGeom prst="rect">
+            <a:avLst/>
+          </a:prstGeom>
+        </p:spPr>
+      </p:pic>
+    </p:spTree>
+    <p:extLst>
+      <p:ext uri="{BB962C8B-B14F-4D97-AF65-F5344CB8AC3E}">
+        <p14:creationId xmlns:p14="http://schemas.microsoft.com/office/powerpoint/2010/main" val="715068546"/>
       </p:ext>
     </p:extLst>
   </p:cSld>

--- a/ppt/yechang.pptx
+++ b/ppt/yechang.pptx
@@ -293,7 +293,7 @@
           <a:p>
             <a:fld id="{1FE107E2-37BF-41C9-9725-8C4414EBD145}" type="datetimeFigureOut">
               <a:rPr lang="zh-CN" altLang="en-US" smtClean="0"/>
-              <a:t>2017/7/11</a:t>
+              <a:t>2017/7/12</a:t>
             </a:fld>
             <a:endParaRPr lang="zh-CN" altLang="en-US"/>
           </a:p>
@@ -608,7 +608,7 @@
           <a:p>
             <a:fld id="{1FE107E2-37BF-41C9-9725-8C4414EBD145}" type="datetimeFigureOut">
               <a:rPr lang="zh-CN" altLang="en-US" smtClean="0"/>
-              <a:t>2017/7/11</a:t>
+              <a:t>2017/7/12</a:t>
             </a:fld>
             <a:endParaRPr lang="zh-CN" altLang="en-US"/>
           </a:p>
@@ -830,7 +830,7 @@
           <a:p>
             <a:fld id="{1FE107E2-37BF-41C9-9725-8C4414EBD145}" type="datetimeFigureOut">
               <a:rPr lang="zh-CN" altLang="en-US" smtClean="0"/>
-              <a:t>2017/7/11</a:t>
+              <a:t>2017/7/12</a:t>
             </a:fld>
             <a:endParaRPr lang="zh-CN" altLang="en-US"/>
           </a:p>
@@ -1121,7 +1121,7 @@
           <a:p>
             <a:fld id="{1FE107E2-37BF-41C9-9725-8C4414EBD145}" type="datetimeFigureOut">
               <a:rPr lang="zh-CN" altLang="en-US" smtClean="0"/>
-              <a:t>2017/7/11</a:t>
+              <a:t>2017/7/12</a:t>
             </a:fld>
             <a:endParaRPr lang="zh-CN" altLang="en-US"/>
           </a:p>
@@ -1575,7 +1575,7 @@
           <a:p>
             <a:fld id="{1FE107E2-37BF-41C9-9725-8C4414EBD145}" type="datetimeFigureOut">
               <a:rPr lang="zh-CN" altLang="en-US" smtClean="0"/>
-              <a:t>2017/7/11</a:t>
+              <a:t>2017/7/12</a:t>
             </a:fld>
             <a:endParaRPr lang="zh-CN" altLang="en-US"/>
           </a:p>
@@ -2151,7 +2151,7 @@
           <a:p>
             <a:fld id="{1FE107E2-37BF-41C9-9725-8C4414EBD145}" type="datetimeFigureOut">
               <a:rPr lang="zh-CN" altLang="en-US" smtClean="0"/>
-              <a:t>2017/7/11</a:t>
+              <a:t>2017/7/12</a:t>
             </a:fld>
             <a:endParaRPr lang="zh-CN" altLang="en-US"/>
           </a:p>
@@ -3012,7 +3012,7 @@
           <a:p>
             <a:fld id="{1FE107E2-37BF-41C9-9725-8C4414EBD145}" type="datetimeFigureOut">
               <a:rPr lang="zh-CN" altLang="en-US" smtClean="0"/>
-              <a:t>2017/7/11</a:t>
+              <a:t>2017/7/12</a:t>
             </a:fld>
             <a:endParaRPr lang="zh-CN" altLang="en-US"/>
           </a:p>
@@ -3217,7 +3217,7 @@
           <a:p>
             <a:fld id="{1FE107E2-37BF-41C9-9725-8C4414EBD145}" type="datetimeFigureOut">
               <a:rPr lang="zh-CN" altLang="en-US" smtClean="0"/>
-              <a:t>2017/7/11</a:t>
+              <a:t>2017/7/12</a:t>
             </a:fld>
             <a:endParaRPr lang="zh-CN" altLang="en-US"/>
           </a:p>
@@ -3431,7 +3431,7 @@
           <a:p>
             <a:fld id="{1FE107E2-37BF-41C9-9725-8C4414EBD145}" type="datetimeFigureOut">
               <a:rPr lang="zh-CN" altLang="en-US" smtClean="0"/>
-              <a:t>2017/7/11</a:t>
+              <a:t>2017/7/12</a:t>
             </a:fld>
             <a:endParaRPr lang="zh-CN" altLang="en-US"/>
           </a:p>
@@ -3636,7 +3636,7 @@
           <a:p>
             <a:fld id="{1FE107E2-37BF-41C9-9725-8C4414EBD145}" type="datetimeFigureOut">
               <a:rPr lang="zh-CN" altLang="en-US" smtClean="0"/>
-              <a:t>2017/7/11</a:t>
+              <a:t>2017/7/12</a:t>
             </a:fld>
             <a:endParaRPr lang="zh-CN" altLang="en-US"/>
           </a:p>
@@ -3916,7 +3916,7 @@
           <a:p>
             <a:fld id="{1FE107E2-37BF-41C9-9725-8C4414EBD145}" type="datetimeFigureOut">
               <a:rPr lang="zh-CN" altLang="en-US" smtClean="0"/>
-              <a:t>2017/7/11</a:t>
+              <a:t>2017/7/12</a:t>
             </a:fld>
             <a:endParaRPr lang="zh-CN" altLang="en-US"/>
           </a:p>
@@ -4183,7 +4183,7 @@
           <a:p>
             <a:fld id="{1FE107E2-37BF-41C9-9725-8C4414EBD145}" type="datetimeFigureOut">
               <a:rPr lang="zh-CN" altLang="en-US" smtClean="0"/>
-              <a:t>2017/7/11</a:t>
+              <a:t>2017/7/12</a:t>
             </a:fld>
             <a:endParaRPr lang="zh-CN" altLang="en-US"/>
           </a:p>
@@ -4598,7 +4598,7 @@
           <a:p>
             <a:fld id="{1FE107E2-37BF-41C9-9725-8C4414EBD145}" type="datetimeFigureOut">
               <a:rPr lang="zh-CN" altLang="en-US" smtClean="0"/>
-              <a:t>2017/7/11</a:t>
+              <a:t>2017/7/12</a:t>
             </a:fld>
             <a:endParaRPr lang="zh-CN" altLang="en-US"/>
           </a:p>
@@ -4746,7 +4746,7 @@
           <a:p>
             <a:fld id="{1FE107E2-37BF-41C9-9725-8C4414EBD145}" type="datetimeFigureOut">
               <a:rPr lang="zh-CN" altLang="en-US" smtClean="0"/>
-              <a:t>2017/7/11</a:t>
+              <a:t>2017/7/12</a:t>
             </a:fld>
             <a:endParaRPr lang="zh-CN" altLang="en-US"/>
           </a:p>
@@ -4871,7 +4871,7 @@
           <a:p>
             <a:fld id="{1FE107E2-37BF-41C9-9725-8C4414EBD145}" type="datetimeFigureOut">
               <a:rPr lang="zh-CN" altLang="en-US" smtClean="0"/>
-              <a:t>2017/7/11</a:t>
+              <a:t>2017/7/12</a:t>
             </a:fld>
             <a:endParaRPr lang="zh-CN" altLang="en-US"/>
           </a:p>
@@ -5150,7 +5150,7 @@
           <a:p>
             <a:fld id="{1FE107E2-37BF-41C9-9725-8C4414EBD145}" type="datetimeFigureOut">
               <a:rPr lang="zh-CN" altLang="en-US" smtClean="0"/>
-              <a:t>2017/7/11</a:t>
+              <a:t>2017/7/12</a:t>
             </a:fld>
             <a:endParaRPr lang="zh-CN" altLang="en-US"/>
           </a:p>
@@ -5465,7 +5465,7 @@
           <a:p>
             <a:fld id="{1FE107E2-37BF-41C9-9725-8C4414EBD145}" type="datetimeFigureOut">
               <a:rPr lang="zh-CN" altLang="en-US" smtClean="0"/>
-              <a:t>2017/7/11</a:t>
+              <a:t>2017/7/12</a:t>
             </a:fld>
             <a:endParaRPr lang="zh-CN" altLang="en-US"/>
           </a:p>
@@ -5718,7 +5718,7 @@
           <a:p>
             <a:fld id="{1FE107E2-37BF-41C9-9725-8C4414EBD145}" type="datetimeFigureOut">
               <a:rPr lang="zh-CN" altLang="en-US" smtClean="0"/>
-              <a:t>2017/7/11</a:t>
+              <a:t>2017/7/12</a:t>
             </a:fld>
             <a:endParaRPr lang="zh-CN" altLang="en-US"/>
           </a:p>
@@ -6170,7 +6170,7 @@
         </p:nvSpPr>
         <p:spPr>
           <a:xfrm>
-            <a:off x="2030442" y="1254720"/>
+            <a:off x="1941541" y="1102320"/>
             <a:ext cx="2262158" cy="923330"/>
           </a:xfrm>
           <a:prstGeom prst="rect">
@@ -6447,9 +6447,204 @@
   <p:timing>
     <p:tnLst>
       <p:par>
-        <p:cTn id="1" dur="indefinite" restart="never" nodeType="tmRoot"/>
+        <p:cTn id="1" dur="indefinite" restart="never" nodeType="tmRoot">
+          <p:childTnLst>
+            <p:seq concurrent="1" nextAc="seek">
+              <p:cTn id="2" dur="indefinite" nodeType="mainSeq">
+                <p:childTnLst>
+                  <p:par>
+                    <p:cTn id="3" fill="hold">
+                      <p:stCondLst>
+                        <p:cond delay="indefinite"/>
+                      </p:stCondLst>
+                      <p:childTnLst>
+                        <p:par>
+                          <p:cTn id="4" fill="hold">
+                            <p:stCondLst>
+                              <p:cond delay="0"/>
+                            </p:stCondLst>
+                            <p:childTnLst>
+                              <p:par>
+                                <p:cTn id="5" presetID="16" presetClass="entr" presetSubtype="21" fill="hold" grpId="0" nodeType="clickEffect">
+                                  <p:stCondLst>
+                                    <p:cond delay="0"/>
+                                  </p:stCondLst>
+                                  <p:childTnLst>
+                                    <p:set>
+                                      <p:cBhvr>
+                                        <p:cTn id="6" dur="1" fill="hold">
+                                          <p:stCondLst>
+                                            <p:cond delay="0"/>
+                                          </p:stCondLst>
+                                        </p:cTn>
+                                        <p:tgtEl>
+                                          <p:spTgt spid="4"/>
+                                        </p:tgtEl>
+                                        <p:attrNameLst>
+                                          <p:attrName>style.visibility</p:attrName>
+                                        </p:attrNameLst>
+                                      </p:cBhvr>
+                                      <p:to>
+                                        <p:strVal val="visible"/>
+                                      </p:to>
+                                    </p:set>
+                                    <p:animEffect transition="in" filter="barn(inVertical)">
+                                      <p:cBhvr>
+                                        <p:cTn id="7" dur="500"/>
+                                        <p:tgtEl>
+                                          <p:spTgt spid="4"/>
+                                        </p:tgtEl>
+                                      </p:cBhvr>
+                                    </p:animEffect>
+                                  </p:childTnLst>
+                                </p:cTn>
+                              </p:par>
+                            </p:childTnLst>
+                          </p:cTn>
+                        </p:par>
+                      </p:childTnLst>
+                    </p:cTn>
+                  </p:par>
+                  <p:par>
+                    <p:cTn id="8" fill="hold">
+                      <p:stCondLst>
+                        <p:cond delay="indefinite"/>
+                      </p:stCondLst>
+                      <p:childTnLst>
+                        <p:par>
+                          <p:cTn id="9" fill="hold">
+                            <p:stCondLst>
+                              <p:cond delay="0"/>
+                            </p:stCondLst>
+                            <p:childTnLst>
+                              <p:par>
+                                <p:cTn id="10" presetID="42" presetClass="entr" presetSubtype="0" fill="hold" grpId="0" nodeType="clickEffect">
+                                  <p:stCondLst>
+                                    <p:cond delay="0"/>
+                                  </p:stCondLst>
+                                  <p:childTnLst>
+                                    <p:set>
+                                      <p:cBhvr>
+                                        <p:cTn id="11" dur="1" fill="hold">
+                                          <p:stCondLst>
+                                            <p:cond delay="0"/>
+                                          </p:stCondLst>
+                                        </p:cTn>
+                                        <p:tgtEl>
+                                          <p:spTgt spid="3">
+                                            <p:txEl>
+                                              <p:pRg st="0" end="0"/>
+                                            </p:txEl>
+                                          </p:spTgt>
+                                        </p:tgtEl>
+                                        <p:attrNameLst>
+                                          <p:attrName>style.visibility</p:attrName>
+                                        </p:attrNameLst>
+                                      </p:cBhvr>
+                                      <p:to>
+                                        <p:strVal val="visible"/>
+                                      </p:to>
+                                    </p:set>
+                                    <p:animEffect transition="in" filter="fade">
+                                      <p:cBhvr>
+                                        <p:cTn id="12" dur="1000"/>
+                                        <p:tgtEl>
+                                          <p:spTgt spid="3">
+                                            <p:txEl>
+                                              <p:pRg st="0" end="0"/>
+                                            </p:txEl>
+                                          </p:spTgt>
+                                        </p:tgtEl>
+                                      </p:cBhvr>
+                                    </p:animEffect>
+                                    <p:anim calcmode="lin" valueType="num">
+                                      <p:cBhvr>
+                                        <p:cTn id="13" dur="1000" fill="hold"/>
+                                        <p:tgtEl>
+                                          <p:spTgt spid="3">
+                                            <p:txEl>
+                                              <p:pRg st="0" end="0"/>
+                                            </p:txEl>
+                                          </p:spTgt>
+                                        </p:tgtEl>
+                                        <p:attrNameLst>
+                                          <p:attrName>ppt_x</p:attrName>
+                                        </p:attrNameLst>
+                                      </p:cBhvr>
+                                      <p:tavLst>
+                                        <p:tav tm="0">
+                                          <p:val>
+                                            <p:strVal val="#ppt_x"/>
+                                          </p:val>
+                                        </p:tav>
+                                        <p:tav tm="100000">
+                                          <p:val>
+                                            <p:strVal val="#ppt_x"/>
+                                          </p:val>
+                                        </p:tav>
+                                      </p:tavLst>
+                                    </p:anim>
+                                    <p:anim calcmode="lin" valueType="num">
+                                      <p:cBhvr>
+                                        <p:cTn id="14" dur="1000" fill="hold"/>
+                                        <p:tgtEl>
+                                          <p:spTgt spid="3">
+                                            <p:txEl>
+                                              <p:pRg st="0" end="0"/>
+                                            </p:txEl>
+                                          </p:spTgt>
+                                        </p:tgtEl>
+                                        <p:attrNameLst>
+                                          <p:attrName>ppt_y</p:attrName>
+                                        </p:attrNameLst>
+                                      </p:cBhvr>
+                                      <p:tavLst>
+                                        <p:tav tm="0">
+                                          <p:val>
+                                            <p:strVal val="#ppt_y+.1"/>
+                                          </p:val>
+                                        </p:tav>
+                                        <p:tav tm="100000">
+                                          <p:val>
+                                            <p:strVal val="#ppt_y"/>
+                                          </p:val>
+                                        </p:tav>
+                                      </p:tavLst>
+                                    </p:anim>
+                                  </p:childTnLst>
+                                </p:cTn>
+                              </p:par>
+                            </p:childTnLst>
+                          </p:cTn>
+                        </p:par>
+                      </p:childTnLst>
+                    </p:cTn>
+                  </p:par>
+                </p:childTnLst>
+              </p:cTn>
+              <p:prevCondLst>
+                <p:cond evt="onPrev" delay="0">
+                  <p:tgtEl>
+                    <p:sldTgt/>
+                  </p:tgtEl>
+                </p:cond>
+              </p:prevCondLst>
+              <p:nextCondLst>
+                <p:cond evt="onNext" delay="0">
+                  <p:tgtEl>
+                    <p:sldTgt/>
+                  </p:tgtEl>
+                </p:cond>
+              </p:nextCondLst>
+            </p:seq>
+          </p:childTnLst>
+        </p:cTn>
       </p:par>
     </p:tnLst>
+    <p:bldLst>
+      <p:bldP spid="3" grpId="0" build="p"/>
+      <p:bldP spid="4" grpId="0"/>
+    </p:bldLst>
   </p:timing>
 </p:sld>
 </file>
@@ -6551,9 +6746,88 @@
   <p:timing>
     <p:tnLst>
       <p:par>
-        <p:cTn id="1" dur="indefinite" restart="never" nodeType="tmRoot"/>
+        <p:cTn id="1" dur="indefinite" restart="never" nodeType="tmRoot">
+          <p:childTnLst>
+            <p:seq concurrent="1" nextAc="seek">
+              <p:cTn id="2" dur="indefinite" nodeType="mainSeq">
+                <p:childTnLst>
+                  <p:par>
+                    <p:cTn id="3" fill="hold">
+                      <p:stCondLst>
+                        <p:cond delay="indefinite"/>
+                      </p:stCondLst>
+                      <p:childTnLst>
+                        <p:par>
+                          <p:cTn id="4" fill="hold">
+                            <p:stCondLst>
+                              <p:cond delay="0"/>
+                            </p:stCondLst>
+                            <p:childTnLst>
+                              <p:par>
+                                <p:cTn id="5" presetID="21" presetClass="entr" presetSubtype="1" fill="hold" grpId="0" nodeType="clickEffect">
+                                  <p:stCondLst>
+                                    <p:cond delay="0"/>
+                                  </p:stCondLst>
+                                  <p:childTnLst>
+                                    <p:set>
+                                      <p:cBhvr>
+                                        <p:cTn id="6" dur="1" fill="hold">
+                                          <p:stCondLst>
+                                            <p:cond delay="0"/>
+                                          </p:stCondLst>
+                                        </p:cTn>
+                                        <p:tgtEl>
+                                          <p:spTgt spid="5"/>
+                                        </p:tgtEl>
+                                        <p:attrNameLst>
+                                          <p:attrName>style.visibility</p:attrName>
+                                        </p:attrNameLst>
+                                      </p:cBhvr>
+                                      <p:to>
+                                        <p:strVal val="visible"/>
+                                      </p:to>
+                                    </p:set>
+                                    <p:animEffect transition="in" filter="wheel(1)">
+                                      <p:cBhvr>
+                                        <p:cTn id="7" dur="2000"/>
+                                        <p:tgtEl>
+                                          <p:spTgt spid="5"/>
+                                        </p:tgtEl>
+                                      </p:cBhvr>
+                                    </p:animEffect>
+                                  </p:childTnLst>
+                                </p:cTn>
+                              </p:par>
+                            </p:childTnLst>
+                          </p:cTn>
+                        </p:par>
+                      </p:childTnLst>
+                    </p:cTn>
+                  </p:par>
+                </p:childTnLst>
+              </p:cTn>
+              <p:prevCondLst>
+                <p:cond evt="onPrev" delay="0">
+                  <p:tgtEl>
+                    <p:sldTgt/>
+                  </p:tgtEl>
+                </p:cond>
+              </p:prevCondLst>
+              <p:nextCondLst>
+                <p:cond evt="onNext" delay="0">
+                  <p:tgtEl>
+                    <p:sldTgt/>
+                  </p:tgtEl>
+                </p:cond>
+              </p:nextCondLst>
+            </p:seq>
+          </p:childTnLst>
+        </p:cTn>
       </p:par>
     </p:tnLst>
+    <p:bldLst>
+      <p:bldP spid="5" grpId="0"/>
+    </p:bldLst>
   </p:timing>
 </p:sld>
 </file>
@@ -6598,553 +6872,389 @@
           <a:lstStyle/>
           <a:p>
             <a:r>
-              <a:rPr lang="zh-CN" altLang="en-US" dirty="0">
+              <a:rPr lang="zh-CN" altLang="en-US" sz="2400" dirty="0">
                 <a:latin typeface="+mn-ea"/>
               </a:rPr>
               <a:t>林俊杰（</a:t>
             </a:r>
             <a:r>
-              <a:rPr lang="en-US" altLang="zh-CN" dirty="0">
+              <a:rPr lang="en-US" altLang="zh-CN" sz="2400" dirty="0">
                 <a:latin typeface="+mn-ea"/>
               </a:rPr>
               <a:t>JJ Lin</a:t>
             </a:r>
             <a:r>
-              <a:rPr lang="zh-CN" altLang="en-US" dirty="0">
+              <a:rPr lang="zh-CN" altLang="en-US" sz="2400" dirty="0">
                 <a:latin typeface="+mn-ea"/>
               </a:rPr>
               <a:t>），</a:t>
             </a:r>
             <a:r>
-              <a:rPr lang="en-US" altLang="zh-CN" dirty="0">
+              <a:rPr lang="en-US" altLang="zh-CN" sz="2400" dirty="0">
                 <a:latin typeface="+mn-ea"/>
               </a:rPr>
               <a:t>1981</a:t>
             </a:r>
             <a:r>
-              <a:rPr lang="zh-CN" altLang="en-US" dirty="0">
+              <a:rPr lang="zh-CN" altLang="en-US" sz="2400" dirty="0">
                 <a:latin typeface="+mn-ea"/>
               </a:rPr>
               <a:t>年</a:t>
             </a:r>
             <a:r>
-              <a:rPr lang="en-US" altLang="zh-CN" dirty="0">
+              <a:rPr lang="en-US" altLang="zh-CN" sz="2400" dirty="0">
                 <a:latin typeface="+mn-ea"/>
               </a:rPr>
               <a:t>3</a:t>
             </a:r>
             <a:r>
-              <a:rPr lang="zh-CN" altLang="en-US" dirty="0">
+              <a:rPr lang="zh-CN" altLang="en-US" sz="2400" dirty="0">
                 <a:latin typeface="+mn-ea"/>
               </a:rPr>
               <a:t>月</a:t>
             </a:r>
             <a:r>
-              <a:rPr lang="en-US" altLang="zh-CN" dirty="0">
+              <a:rPr lang="en-US" altLang="zh-CN" sz="2400" dirty="0">
                 <a:latin typeface="+mn-ea"/>
               </a:rPr>
               <a:t>27</a:t>
             </a:r>
             <a:r>
-              <a:rPr lang="zh-CN" altLang="en-US" dirty="0">
+              <a:rPr lang="zh-CN" altLang="en-US" sz="2400" dirty="0">
                 <a:latin typeface="+mn-ea"/>
               </a:rPr>
               <a:t>日出生于</a:t>
             </a:r>
             <a:r>
-              <a:rPr lang="zh-CN" altLang="en-US" dirty="0" smtClean="0">
+              <a:rPr lang="zh-CN" altLang="en-US" sz="2400" dirty="0" smtClean="0">
                 <a:latin typeface="+mn-ea"/>
               </a:rPr>
               <a:t>新加坡</a:t>
             </a:r>
-            <a:endParaRPr lang="zh-CN" altLang="en-US" dirty="0">
+            <a:endParaRPr lang="zh-CN" altLang="en-US" sz="2400" dirty="0">
               <a:latin typeface="+mn-ea"/>
             </a:endParaRPr>
           </a:p>
           <a:p>
             <a:r>
-              <a:rPr lang="en-US" altLang="zh-CN" dirty="0" smtClean="0">
+              <a:rPr lang="en-US" altLang="zh-CN" sz="2400" dirty="0" smtClean="0">
                 <a:latin typeface="+mn-ea"/>
               </a:rPr>
               <a:t>2003</a:t>
             </a:r>
             <a:r>
-              <a:rPr lang="zh-CN" altLang="en-US" dirty="0" smtClean="0">
+              <a:rPr lang="zh-CN" altLang="en-US" sz="2400" dirty="0" smtClean="0">
                 <a:latin typeface="+mn-ea"/>
               </a:rPr>
               <a:t>年发行首张创作专辑</a:t>
             </a:r>
             <a:r>
-              <a:rPr lang="en-US" altLang="zh-CN" dirty="0" smtClean="0">
+              <a:rPr lang="en-US" altLang="zh-CN" sz="2400" dirty="0" smtClean="0">
                 <a:latin typeface="+mn-ea"/>
               </a:rPr>
               <a:t>《</a:t>
             </a:r>
             <a:r>
-              <a:rPr lang="zh-CN" altLang="en-US" dirty="0" smtClean="0">
+              <a:rPr lang="zh-CN" altLang="en-US" sz="2400" dirty="0" smtClean="0">
                 <a:latin typeface="+mn-ea"/>
               </a:rPr>
               <a:t>乐行者</a:t>
             </a:r>
             <a:r>
-              <a:rPr lang="en-US" altLang="zh-CN" dirty="0" smtClean="0">
+              <a:rPr lang="en-US" altLang="zh-CN" sz="2400" dirty="0" smtClean="0">
                 <a:latin typeface="+mn-ea"/>
               </a:rPr>
               <a:t>》</a:t>
             </a:r>
             <a:r>
-              <a:rPr lang="zh-CN" altLang="en-US" dirty="0" smtClean="0">
+              <a:rPr lang="zh-CN" altLang="en-US" sz="2400" dirty="0" smtClean="0">
                 <a:latin typeface="+mn-ea"/>
               </a:rPr>
               <a:t>。</a:t>
             </a:r>
             <a:r>
-              <a:rPr lang="en-US" altLang="zh-CN" dirty="0" smtClean="0">
+              <a:rPr lang="en-US" altLang="zh-CN" sz="2400" dirty="0" smtClean="0">
                 <a:latin typeface="+mn-ea"/>
               </a:rPr>
               <a:t>2004</a:t>
             </a:r>
             <a:r>
-              <a:rPr lang="zh-CN" altLang="en-US" dirty="0" smtClean="0">
+              <a:rPr lang="zh-CN" altLang="en-US" sz="2400" dirty="0" smtClean="0">
                 <a:latin typeface="+mn-ea"/>
               </a:rPr>
               <a:t>年凭专辑</a:t>
             </a:r>
             <a:r>
-              <a:rPr lang="en-US" altLang="zh-CN" dirty="0" smtClean="0">
+              <a:rPr lang="en-US" altLang="zh-CN" sz="2400" dirty="0" smtClean="0">
                 <a:latin typeface="+mn-ea"/>
               </a:rPr>
               <a:t>《</a:t>
             </a:r>
             <a:r>
-              <a:rPr lang="zh-CN" altLang="en-US" dirty="0" smtClean="0">
+              <a:rPr lang="zh-CN" altLang="en-US" sz="2400" dirty="0" smtClean="0">
                 <a:latin typeface="+mn-ea"/>
               </a:rPr>
               <a:t>第二天堂</a:t>
             </a:r>
             <a:r>
-              <a:rPr lang="en-US" altLang="zh-CN" dirty="0" smtClean="0">
+              <a:rPr lang="en-US" altLang="zh-CN" sz="2400" dirty="0" smtClean="0">
                 <a:latin typeface="+mn-ea"/>
               </a:rPr>
               <a:t>》</a:t>
             </a:r>
             <a:r>
-              <a:rPr lang="zh-CN" altLang="en-US" dirty="0" smtClean="0">
+              <a:rPr lang="zh-CN" altLang="en-US" sz="2400" dirty="0" smtClean="0">
                 <a:latin typeface="+mn-ea"/>
               </a:rPr>
               <a:t>中的</a:t>
             </a:r>
             <a:r>
-              <a:rPr lang="en-US" altLang="zh-CN" dirty="0" smtClean="0">
+              <a:rPr lang="en-US" altLang="zh-CN" sz="2400" dirty="0" smtClean="0">
                 <a:latin typeface="+mn-ea"/>
               </a:rPr>
               <a:t>《</a:t>
             </a:r>
             <a:r>
-              <a:rPr lang="zh-CN" altLang="en-US" dirty="0" smtClean="0">
+              <a:rPr lang="zh-CN" altLang="en-US" sz="2400" dirty="0" smtClean="0">
                 <a:latin typeface="+mn-ea"/>
               </a:rPr>
               <a:t>江南</a:t>
             </a:r>
             <a:r>
-              <a:rPr lang="en-US" altLang="zh-CN" dirty="0" smtClean="0">
+              <a:rPr lang="en-US" altLang="zh-CN" sz="2400" dirty="0" smtClean="0">
                 <a:latin typeface="+mn-ea"/>
               </a:rPr>
               <a:t>》</a:t>
             </a:r>
             <a:r>
-              <a:rPr lang="zh-CN" altLang="en-US" dirty="0" smtClean="0">
+              <a:rPr lang="zh-CN" altLang="en-US" sz="2400" dirty="0" smtClean="0">
                 <a:latin typeface="+mn-ea"/>
               </a:rPr>
               <a:t>一曲成名。</a:t>
             </a:r>
             <a:r>
-              <a:rPr lang="en-US" altLang="zh-CN" dirty="0" smtClean="0">
+              <a:rPr lang="en-US" altLang="zh-CN" sz="2400" dirty="0" smtClean="0">
                 <a:latin typeface="+mn-ea"/>
               </a:rPr>
               <a:t>2014</a:t>
             </a:r>
             <a:r>
-              <a:rPr lang="zh-CN" altLang="en-US" dirty="0" smtClean="0">
+              <a:rPr lang="zh-CN" altLang="en-US" sz="2400" dirty="0" smtClean="0">
                 <a:latin typeface="+mn-ea"/>
               </a:rPr>
               <a:t>年以专辑</a:t>
             </a:r>
             <a:r>
-              <a:rPr lang="en-US" altLang="zh-CN" dirty="0" smtClean="0">
+              <a:rPr lang="en-US" altLang="zh-CN" sz="2400" dirty="0" smtClean="0">
                 <a:latin typeface="+mn-ea"/>
               </a:rPr>
               <a:t>《</a:t>
             </a:r>
             <a:r>
-              <a:rPr lang="zh-CN" altLang="en-US" dirty="0" smtClean="0">
+              <a:rPr lang="zh-CN" altLang="en-US" sz="2400" dirty="0" smtClean="0">
                 <a:latin typeface="+mn-ea"/>
               </a:rPr>
               <a:t>因你而在</a:t>
             </a:r>
             <a:r>
-              <a:rPr lang="en-US" altLang="zh-CN" dirty="0" smtClean="0">
+              <a:rPr lang="en-US" altLang="zh-CN" sz="2400" dirty="0" smtClean="0">
                 <a:latin typeface="+mn-ea"/>
               </a:rPr>
               <a:t>》</a:t>
             </a:r>
             <a:r>
-              <a:rPr lang="zh-CN" altLang="en-US" dirty="0" smtClean="0">
+              <a:rPr lang="zh-CN" altLang="en-US" sz="2400" dirty="0" smtClean="0">
                 <a:latin typeface="+mn-ea"/>
               </a:rPr>
               <a:t>夺得第</a:t>
             </a:r>
             <a:r>
-              <a:rPr lang="en-US" altLang="zh-CN" dirty="0" smtClean="0">
+              <a:rPr lang="en-US" altLang="zh-CN" sz="2400" dirty="0" smtClean="0">
                 <a:latin typeface="+mn-ea"/>
               </a:rPr>
               <a:t>25</a:t>
             </a:r>
             <a:r>
-              <a:rPr lang="zh-CN" altLang="en-US" dirty="0" smtClean="0">
+              <a:rPr lang="zh-CN" altLang="en-US" sz="2400" dirty="0" smtClean="0">
                 <a:latin typeface="+mn-ea"/>
               </a:rPr>
               <a:t>届台湾金曲奖最佳国语男歌手奖。</a:t>
             </a:r>
             <a:r>
-              <a:rPr lang="en-US" altLang="zh-CN" dirty="0" smtClean="0">
+              <a:rPr lang="en-US" altLang="zh-CN" sz="2400" dirty="0" smtClean="0">
                 <a:latin typeface="+mn-ea"/>
               </a:rPr>
               <a:t>2013</a:t>
             </a:r>
             <a:r>
-              <a:rPr lang="zh-CN" altLang="en-US" dirty="0" smtClean="0">
+              <a:rPr lang="zh-CN" altLang="en-US" sz="2400" dirty="0" smtClean="0">
                 <a:latin typeface="+mn-ea"/>
               </a:rPr>
               <a:t>年至</a:t>
             </a:r>
             <a:r>
-              <a:rPr lang="en-US" altLang="zh-CN" dirty="0" smtClean="0">
+              <a:rPr lang="en-US" altLang="zh-CN" sz="2400" dirty="0" smtClean="0">
                 <a:latin typeface="+mn-ea"/>
               </a:rPr>
               <a:t>2015</a:t>
             </a:r>
             <a:r>
-              <a:rPr lang="zh-CN" altLang="en-US" dirty="0" smtClean="0">
+              <a:rPr lang="zh-CN" altLang="en-US" sz="2400" dirty="0" smtClean="0">
                 <a:latin typeface="+mn-ea"/>
               </a:rPr>
               <a:t>年举办“时线</a:t>
             </a:r>
             <a:r>
-              <a:rPr lang="en-US" altLang="zh-CN" dirty="0" smtClean="0">
+              <a:rPr lang="en-US" altLang="zh-CN" sz="2400" dirty="0" smtClean="0">
                 <a:latin typeface="+mn-ea"/>
               </a:rPr>
               <a:t>Timeline</a:t>
             </a:r>
             <a:r>
-              <a:rPr lang="zh-CN" altLang="en-US" dirty="0" smtClean="0">
+              <a:rPr lang="zh-CN" altLang="en-US" sz="2400" dirty="0" smtClean="0">
                 <a:latin typeface="+mn-ea"/>
               </a:rPr>
               <a:t>世界巡回演唱会”和安可场“时线：新地球世界巡回演唱会”，唱遍</a:t>
             </a:r>
             <a:r>
-              <a:rPr lang="en-US" altLang="zh-CN" dirty="0" smtClean="0">
+              <a:rPr lang="en-US" altLang="zh-CN" sz="2400" dirty="0" smtClean="0">
                 <a:latin typeface="+mn-ea"/>
               </a:rPr>
               <a:t>4</a:t>
             </a:r>
             <a:r>
-              <a:rPr lang="zh-CN" altLang="en-US" dirty="0" smtClean="0">
+              <a:rPr lang="zh-CN" altLang="en-US" sz="2400" dirty="0" smtClean="0">
                 <a:latin typeface="+mn-ea"/>
               </a:rPr>
               <a:t>大洲、</a:t>
             </a:r>
             <a:r>
-              <a:rPr lang="en-US" altLang="zh-CN" dirty="0" smtClean="0">
+              <a:rPr lang="en-US" altLang="zh-CN" sz="2400" dirty="0" smtClean="0">
                 <a:latin typeface="+mn-ea"/>
               </a:rPr>
               <a:t>31</a:t>
             </a:r>
             <a:r>
-              <a:rPr lang="zh-CN" altLang="en-US" dirty="0" smtClean="0">
+              <a:rPr lang="zh-CN" altLang="en-US" sz="2400" dirty="0" smtClean="0">
                 <a:latin typeface="+mn-ea"/>
               </a:rPr>
               <a:t>个城市，刷新个人纪录。</a:t>
             </a:r>
             <a:r>
-              <a:rPr lang="en-US" altLang="zh-CN" dirty="0" smtClean="0">
+              <a:rPr lang="en-US" altLang="zh-CN" sz="2400" dirty="0" smtClean="0">
                 <a:latin typeface="+mn-ea"/>
               </a:rPr>
               <a:t>2016</a:t>
             </a:r>
             <a:r>
-              <a:rPr lang="zh-CN" altLang="en-US" dirty="0" smtClean="0">
+              <a:rPr lang="zh-CN" altLang="en-US" sz="2400" dirty="0" smtClean="0">
                 <a:latin typeface="+mn-ea"/>
               </a:rPr>
               <a:t>年以专辑</a:t>
             </a:r>
             <a:r>
-              <a:rPr lang="en-US" altLang="zh-CN" dirty="0" smtClean="0">
+              <a:rPr lang="en-US" altLang="zh-CN" sz="2400" dirty="0" smtClean="0">
                 <a:latin typeface="+mn-ea"/>
               </a:rPr>
               <a:t>《</a:t>
             </a:r>
             <a:r>
-              <a:rPr lang="zh-CN" altLang="en-US" dirty="0" smtClean="0">
+              <a:rPr lang="zh-CN" altLang="en-US" sz="2400" dirty="0" smtClean="0">
                 <a:latin typeface="+mn-ea"/>
               </a:rPr>
               <a:t>和自己对话</a:t>
             </a:r>
             <a:r>
-              <a:rPr lang="en-US" altLang="zh-CN" dirty="0" smtClean="0">
+              <a:rPr lang="en-US" altLang="zh-CN" sz="2400" dirty="0" smtClean="0">
                 <a:latin typeface="+mn-ea"/>
               </a:rPr>
               <a:t>》</a:t>
             </a:r>
             <a:r>
-              <a:rPr lang="zh-CN" altLang="en-US" dirty="0" smtClean="0">
+              <a:rPr lang="zh-CN" altLang="en-US" sz="2400" dirty="0" smtClean="0">
                 <a:latin typeface="+mn-ea"/>
               </a:rPr>
               <a:t>再度获得第</a:t>
             </a:r>
             <a:r>
-              <a:rPr lang="en-US" altLang="zh-CN" dirty="0" smtClean="0">
+              <a:rPr lang="en-US" altLang="zh-CN" sz="2400" dirty="0" smtClean="0">
                 <a:latin typeface="+mn-ea"/>
               </a:rPr>
               <a:t>27</a:t>
             </a:r>
             <a:r>
-              <a:rPr lang="zh-CN" altLang="en-US" dirty="0" smtClean="0">
+              <a:rPr lang="zh-CN" altLang="en-US" sz="2400" dirty="0" smtClean="0">
                 <a:latin typeface="+mn-ea"/>
               </a:rPr>
               <a:t>届台湾金曲奖最佳国语男歌手奖， 并推出个人首部音乐纪录片</a:t>
             </a:r>
             <a:r>
-              <a:rPr lang="en-US" altLang="zh-CN" dirty="0" smtClean="0">
+              <a:rPr lang="en-US" altLang="zh-CN" sz="2400" dirty="0" smtClean="0">
                 <a:latin typeface="+mn-ea"/>
               </a:rPr>
               <a:t>《</a:t>
             </a:r>
             <a:r>
-              <a:rPr lang="zh-CN" altLang="en-US" dirty="0" smtClean="0">
+              <a:rPr lang="zh-CN" altLang="en-US" sz="2400" dirty="0" smtClean="0">
                 <a:latin typeface="+mn-ea"/>
               </a:rPr>
               <a:t>听</a:t>
             </a:r>
             <a:r>
-              <a:rPr lang="en-US" altLang="zh-CN" dirty="0" smtClean="0">
+              <a:rPr lang="en-US" altLang="zh-CN" sz="2400" dirty="0" smtClean="0">
                 <a:latin typeface="+mn-ea"/>
               </a:rPr>
               <a:t>·</a:t>
             </a:r>
             <a:r>
-              <a:rPr lang="zh-CN" altLang="en-US" dirty="0" smtClean="0">
+              <a:rPr lang="zh-CN" altLang="en-US" sz="2400" dirty="0" smtClean="0">
                 <a:latin typeface="+mn-ea"/>
               </a:rPr>
               <a:t>见林俊杰</a:t>
             </a:r>
             <a:r>
-              <a:rPr lang="en-US" altLang="zh-CN" dirty="0" smtClean="0">
+              <a:rPr lang="en-US" altLang="zh-CN" sz="2400" dirty="0" smtClean="0">
                 <a:latin typeface="+mn-ea"/>
               </a:rPr>
               <a:t>》</a:t>
             </a:r>
             <a:r>
-              <a:rPr lang="zh-CN" altLang="en-US" dirty="0" smtClean="0">
+              <a:rPr lang="zh-CN" altLang="en-US" sz="2400" dirty="0" smtClean="0">
                 <a:latin typeface="+mn-ea"/>
               </a:rPr>
               <a:t>。截止到</a:t>
             </a:r>
             <a:r>
-              <a:rPr lang="en-US" altLang="zh-CN" dirty="0" smtClean="0">
+              <a:rPr lang="en-US" altLang="zh-CN" sz="2400" dirty="0" smtClean="0">
                 <a:latin typeface="+mn-ea"/>
               </a:rPr>
               <a:t>2016</a:t>
             </a:r>
             <a:r>
-              <a:rPr lang="zh-CN" altLang="en-US" dirty="0" smtClean="0">
+              <a:rPr lang="zh-CN" altLang="en-US" sz="2400" dirty="0" smtClean="0">
                 <a:latin typeface="+mn-ea"/>
               </a:rPr>
               <a:t>年，已发行</a:t>
             </a:r>
             <a:r>
-              <a:rPr lang="en-US" altLang="zh-CN" dirty="0" smtClean="0">
+              <a:rPr lang="en-US" altLang="zh-CN" sz="2400" dirty="0" smtClean="0">
                 <a:latin typeface="+mn-ea"/>
               </a:rPr>
               <a:t>12</a:t>
             </a:r>
             <a:r>
-              <a:rPr lang="zh-CN" altLang="en-US" dirty="0" smtClean="0">
+              <a:rPr lang="zh-CN" altLang="en-US" sz="2400" dirty="0" smtClean="0">
                 <a:latin typeface="+mn-ea"/>
               </a:rPr>
-              <a:t>张正式专辑，累计创作数百首歌曲。</a:t>
-            </a:r>
-          </a:p>
-          <a:p>
-            <a:r>
-              <a:rPr lang="en-US" altLang="zh-CN" dirty="0" smtClean="0">
-                <a:latin typeface="+mn-ea"/>
-              </a:rPr>
-              <a:t>2004</a:t>
-            </a:r>
-            <a:r>
-              <a:rPr lang="zh-CN" altLang="en-US" dirty="0">
-                <a:latin typeface="+mn-ea"/>
-              </a:rPr>
-              <a:t>年、</a:t>
-            </a:r>
-            <a:r>
-              <a:rPr lang="en-US" altLang="zh-CN" dirty="0">
-                <a:latin typeface="+mn-ea"/>
-              </a:rPr>
-              <a:t>2015</a:t>
-            </a:r>
-            <a:r>
-              <a:rPr lang="zh-CN" altLang="en-US" dirty="0">
-                <a:latin typeface="+mn-ea"/>
-              </a:rPr>
-              <a:t>年两度受邀演唱新加坡国庆庆典</a:t>
-            </a:r>
-            <a:r>
-              <a:rPr lang="zh-CN" altLang="en-US" dirty="0" smtClean="0">
-                <a:latin typeface="+mn-ea"/>
-              </a:rPr>
-              <a:t>主题曲，</a:t>
-            </a:r>
-            <a:r>
-              <a:rPr lang="zh-CN" altLang="en-US" dirty="0">
-                <a:latin typeface="+mn-ea"/>
-              </a:rPr>
-              <a:t>担任</a:t>
-            </a:r>
-            <a:r>
-              <a:rPr lang="en-US" altLang="zh-CN" dirty="0">
-                <a:latin typeface="+mn-ea"/>
-              </a:rPr>
-              <a:t>2008</a:t>
-            </a:r>
-            <a:r>
-              <a:rPr lang="zh-CN" altLang="en-US" dirty="0">
-                <a:latin typeface="+mn-ea"/>
-              </a:rPr>
-              <a:t>年</a:t>
-            </a:r>
-            <a:r>
-              <a:rPr lang="zh-CN" altLang="en-US" dirty="0" smtClean="0">
-                <a:latin typeface="+mn-ea"/>
-              </a:rPr>
-              <a:t>北京奥运会及</a:t>
-            </a:r>
-            <a:r>
-              <a:rPr lang="en-US" altLang="zh-CN" dirty="0">
-                <a:latin typeface="+mn-ea"/>
-              </a:rPr>
-              <a:t>2010</a:t>
-            </a:r>
-            <a:r>
-              <a:rPr lang="zh-CN" altLang="en-US" dirty="0">
-                <a:latin typeface="+mn-ea"/>
-              </a:rPr>
-              <a:t>年新加坡青奥</a:t>
-            </a:r>
-            <a:r>
-              <a:rPr lang="zh-CN" altLang="en-US" dirty="0" smtClean="0">
-                <a:latin typeface="+mn-ea"/>
-              </a:rPr>
-              <a:t>会火炬</a:t>
-            </a:r>
-            <a:r>
-              <a:rPr lang="zh-CN" altLang="en-US" dirty="0">
-                <a:latin typeface="+mn-ea"/>
-              </a:rPr>
-              <a:t>手，创作并演唱</a:t>
-            </a:r>
-            <a:r>
-              <a:rPr lang="en-US" altLang="zh-CN" dirty="0">
-                <a:latin typeface="+mn-ea"/>
-              </a:rPr>
-              <a:t>2010</a:t>
-            </a:r>
-            <a:r>
-              <a:rPr lang="zh-CN" altLang="en-US" dirty="0">
-                <a:latin typeface="+mn-ea"/>
-              </a:rPr>
-              <a:t>年上海世博会新加坡馆主题曲</a:t>
-            </a:r>
-            <a:r>
-              <a:rPr lang="en-US" altLang="zh-CN" dirty="0">
-                <a:latin typeface="+mn-ea"/>
-              </a:rPr>
-              <a:t>《</a:t>
-            </a:r>
-            <a:r>
-              <a:rPr lang="zh-CN" altLang="en-US" dirty="0">
-                <a:latin typeface="+mn-ea"/>
-              </a:rPr>
-              <a:t>感动每一刻</a:t>
-            </a:r>
-            <a:r>
-              <a:rPr lang="en-US" altLang="zh-CN" dirty="0" smtClean="0">
-                <a:latin typeface="+mn-ea"/>
-              </a:rPr>
-              <a:t>》</a:t>
-            </a:r>
-            <a:r>
-              <a:rPr lang="zh-CN" altLang="en-US" dirty="0" smtClean="0">
+              <a:t>张正式专辑，累计创作数百首歌曲</a:t>
+            </a:r>
+            <a:r>
+              <a:rPr lang="zh-CN" altLang="en-US" sz="2400" dirty="0" smtClean="0">
                 <a:latin typeface="+mn-ea"/>
               </a:rPr>
               <a:t>。</a:t>
             </a:r>
-            <a:r>
-              <a:rPr lang="zh-CN" altLang="en-US" dirty="0">
-                <a:latin typeface="+mn-ea"/>
-              </a:rPr>
-              <a:t>凭借在音乐创作与慈善公益等方面的表现，</a:t>
-            </a:r>
-            <a:r>
-              <a:rPr lang="en-US" altLang="zh-CN" dirty="0">
-                <a:latin typeface="+mn-ea"/>
-              </a:rPr>
-              <a:t>2009</a:t>
-            </a:r>
-            <a:r>
-              <a:rPr lang="zh-CN" altLang="en-US" dirty="0">
-                <a:latin typeface="+mn-ea"/>
-              </a:rPr>
-              <a:t>年荣获新加坡杰出青年</a:t>
-            </a:r>
-            <a:r>
-              <a:rPr lang="zh-CN" altLang="en-US" dirty="0" smtClean="0">
-                <a:latin typeface="+mn-ea"/>
-              </a:rPr>
-              <a:t>奖，</a:t>
-            </a:r>
-            <a:r>
-              <a:rPr lang="en-US" altLang="zh-CN" dirty="0">
-                <a:latin typeface="+mn-ea"/>
-              </a:rPr>
-              <a:t>2014</a:t>
-            </a:r>
-            <a:r>
-              <a:rPr lang="zh-CN" altLang="en-US" dirty="0">
-                <a:latin typeface="+mn-ea"/>
-              </a:rPr>
-              <a:t>年获得第</a:t>
-            </a:r>
-            <a:r>
-              <a:rPr lang="en-US" altLang="zh-CN" dirty="0">
-                <a:latin typeface="+mn-ea"/>
-              </a:rPr>
-              <a:t>5</a:t>
-            </a:r>
-            <a:r>
-              <a:rPr lang="zh-CN" altLang="en-US" dirty="0">
-                <a:latin typeface="+mn-ea"/>
-              </a:rPr>
-              <a:t>届通商中国青年</a:t>
-            </a:r>
-            <a:r>
-              <a:rPr lang="zh-CN" altLang="en-US" dirty="0" smtClean="0">
-                <a:latin typeface="+mn-ea"/>
-              </a:rPr>
-              <a:t>奖。</a:t>
-            </a:r>
-            <a:endParaRPr lang="zh-CN" altLang="en-US" dirty="0">
+            <a:endParaRPr lang="zh-CN" altLang="en-US" sz="2400" dirty="0" smtClean="0">
               <a:latin typeface="+mn-ea"/>
             </a:endParaRPr>
           </a:p>
@@ -7438,6 +7548,13 @@
   <p:clrMapOvr>
     <a:masterClrMapping/>
   </p:clrMapOvr>
+  <p:timing>
+    <p:tnLst>
+      <p:par>
+        <p:cTn id="1" dur="indefinite" restart="never" nodeType="tmRoot"/>
+      </p:par>
+    </p:tnLst>
+  </p:timing>
 </p:sld>
 </file>
 
@@ -8925,9 +9042,210 @@
   <p:timing>
     <p:tnLst>
       <p:par>
-        <p:cTn id="1" dur="indefinite" restart="never" nodeType="tmRoot"/>
+        <p:cTn id="1" dur="indefinite" restart="never" nodeType="tmRoot">
+          <p:childTnLst>
+            <p:seq concurrent="1" nextAc="seek">
+              <p:cTn id="2" dur="indefinite" nodeType="mainSeq">
+                <p:childTnLst>
+                  <p:par>
+                    <p:cTn id="3" fill="hold">
+                      <p:stCondLst>
+                        <p:cond delay="indefinite"/>
+                      </p:stCondLst>
+                      <p:childTnLst>
+                        <p:par>
+                          <p:cTn id="4" fill="hold">
+                            <p:stCondLst>
+                              <p:cond delay="0"/>
+                            </p:stCondLst>
+                            <p:childTnLst>
+                              <p:par>
+                                <p:cTn id="5" presetID="10" presetClass="entr" presetSubtype="0" fill="hold" nodeType="clickEffect">
+                                  <p:stCondLst>
+                                    <p:cond delay="0"/>
+                                  </p:stCondLst>
+                                  <p:childTnLst>
+                                    <p:set>
+                                      <p:cBhvr>
+                                        <p:cTn id="6" dur="1" fill="hold">
+                                          <p:stCondLst>
+                                            <p:cond delay="0"/>
+                                          </p:stCondLst>
+                                        </p:cTn>
+                                        <p:tgtEl>
+                                          <p:spTgt spid="5"/>
+                                        </p:tgtEl>
+                                        <p:attrNameLst>
+                                          <p:attrName>style.visibility</p:attrName>
+                                        </p:attrNameLst>
+                                      </p:cBhvr>
+                                      <p:to>
+                                        <p:strVal val="visible"/>
+                                      </p:to>
+                                    </p:set>
+                                    <p:animEffect transition="in" filter="fade">
+                                      <p:cBhvr>
+                                        <p:cTn id="7" dur="500"/>
+                                        <p:tgtEl>
+                                          <p:spTgt spid="5"/>
+                                        </p:tgtEl>
+                                      </p:cBhvr>
+                                    </p:animEffect>
+                                  </p:childTnLst>
+                                </p:cTn>
+                              </p:par>
+                            </p:childTnLst>
+                          </p:cTn>
+                        </p:par>
+                      </p:childTnLst>
+                    </p:cTn>
+                  </p:par>
+                  <p:par>
+                    <p:cTn id="8" fill="hold">
+                      <p:stCondLst>
+                        <p:cond delay="indefinite"/>
+                      </p:stCondLst>
+                      <p:childTnLst>
+                        <p:par>
+                          <p:cTn id="9" fill="hold">
+                            <p:stCondLst>
+                              <p:cond delay="0"/>
+                            </p:stCondLst>
+                            <p:childTnLst>
+                              <p:par>
+                                <p:cTn id="10" presetID="22" presetClass="entr" presetSubtype="4" fill="hold" grpId="0" nodeType="clickEffect">
+                                  <p:stCondLst>
+                                    <p:cond delay="0"/>
+                                  </p:stCondLst>
+                                  <p:childTnLst>
+                                    <p:set>
+                                      <p:cBhvr>
+                                        <p:cTn id="11" dur="1" fill="hold">
+                                          <p:stCondLst>
+                                            <p:cond delay="0"/>
+                                          </p:stCondLst>
+                                        </p:cTn>
+                                        <p:tgtEl>
+                                          <p:spTgt spid="3">
+                                            <p:txEl>
+                                              <p:pRg st="0" end="0"/>
+                                            </p:txEl>
+                                          </p:spTgt>
+                                        </p:tgtEl>
+                                        <p:attrNameLst>
+                                          <p:attrName>style.visibility</p:attrName>
+                                        </p:attrNameLst>
+                                      </p:cBhvr>
+                                      <p:to>
+                                        <p:strVal val="visible"/>
+                                      </p:to>
+                                    </p:set>
+                                    <p:animEffect transition="in" filter="wipe(down)">
+                                      <p:cBhvr>
+                                        <p:cTn id="12" dur="500"/>
+                                        <p:tgtEl>
+                                          <p:spTgt spid="3">
+                                            <p:txEl>
+                                              <p:pRg st="0" end="0"/>
+                                            </p:txEl>
+                                          </p:spTgt>
+                                        </p:tgtEl>
+                                      </p:cBhvr>
+                                    </p:animEffect>
+                                  </p:childTnLst>
+                                </p:cTn>
+                              </p:par>
+                            </p:childTnLst>
+                          </p:cTn>
+                        </p:par>
+                      </p:childTnLst>
+                    </p:cTn>
+                  </p:par>
+                  <p:par>
+                    <p:cTn id="13" fill="hold">
+                      <p:stCondLst>
+                        <p:cond delay="indefinite"/>
+                      </p:stCondLst>
+                      <p:childTnLst>
+                        <p:par>
+                          <p:cTn id="14" fill="hold">
+                            <p:stCondLst>
+                              <p:cond delay="0"/>
+                            </p:stCondLst>
+                            <p:childTnLst>
+                              <p:par>
+                                <p:cTn id="15" presetID="22" presetClass="entr" presetSubtype="4" fill="hold" grpId="0" nodeType="clickEffect">
+                                  <p:stCondLst>
+                                    <p:cond delay="0"/>
+                                  </p:stCondLst>
+                                  <p:childTnLst>
+                                    <p:set>
+                                      <p:cBhvr>
+                                        <p:cTn id="16" dur="1" fill="hold">
+                                          <p:stCondLst>
+                                            <p:cond delay="0"/>
+                                          </p:stCondLst>
+                                        </p:cTn>
+                                        <p:tgtEl>
+                                          <p:spTgt spid="3">
+                                            <p:txEl>
+                                              <p:pRg st="1" end="1"/>
+                                            </p:txEl>
+                                          </p:spTgt>
+                                        </p:tgtEl>
+                                        <p:attrNameLst>
+                                          <p:attrName>style.visibility</p:attrName>
+                                        </p:attrNameLst>
+                                      </p:cBhvr>
+                                      <p:to>
+                                        <p:strVal val="visible"/>
+                                      </p:to>
+                                    </p:set>
+                                    <p:animEffect transition="in" filter="wipe(down)">
+                                      <p:cBhvr>
+                                        <p:cTn id="17" dur="500"/>
+                                        <p:tgtEl>
+                                          <p:spTgt spid="3">
+                                            <p:txEl>
+                                              <p:pRg st="1" end="1"/>
+                                            </p:txEl>
+                                          </p:spTgt>
+                                        </p:tgtEl>
+                                      </p:cBhvr>
+                                    </p:animEffect>
+                                  </p:childTnLst>
+                                </p:cTn>
+                              </p:par>
+                            </p:childTnLst>
+                          </p:cTn>
+                        </p:par>
+                      </p:childTnLst>
+                    </p:cTn>
+                  </p:par>
+                </p:childTnLst>
+              </p:cTn>
+              <p:prevCondLst>
+                <p:cond evt="onPrev" delay="0">
+                  <p:tgtEl>
+                    <p:sldTgt/>
+                  </p:tgtEl>
+                </p:cond>
+              </p:prevCondLst>
+              <p:nextCondLst>
+                <p:cond evt="onNext" delay="0">
+                  <p:tgtEl>
+                    <p:sldTgt/>
+                  </p:tgtEl>
+                </p:cond>
+              </p:nextCondLst>
+            </p:seq>
+          </p:childTnLst>
+        </p:cTn>
       </p:par>
     </p:tnLst>
+    <p:bldLst>
+      <p:bldP spid="3" grpId="0" build="p"/>
+    </p:bldLst>
   </p:timing>
 </p:sld>
 </file>
@@ -9117,9 +9435,218 @@
   <p:timing>
     <p:tnLst>
       <p:par>
-        <p:cTn id="1" dur="indefinite" restart="never" nodeType="tmRoot"/>
+        <p:cTn id="1" dur="indefinite" restart="never" nodeType="tmRoot">
+          <p:childTnLst>
+            <p:seq concurrent="1" nextAc="seek">
+              <p:cTn id="2" dur="indefinite" nodeType="mainSeq">
+                <p:childTnLst>
+                  <p:par>
+                    <p:cTn id="3" fill="hold">
+                      <p:stCondLst>
+                        <p:cond delay="indefinite"/>
+                      </p:stCondLst>
+                      <p:childTnLst>
+                        <p:par>
+                          <p:cTn id="4" fill="hold">
+                            <p:stCondLst>
+                              <p:cond delay="0"/>
+                            </p:stCondLst>
+                            <p:childTnLst>
+                              <p:par>
+                                <p:cTn id="5" presetID="21" presetClass="entr" presetSubtype="1" fill="hold" grpId="0" nodeType="clickEffect">
+                                  <p:stCondLst>
+                                    <p:cond delay="0"/>
+                                  </p:stCondLst>
+                                  <p:childTnLst>
+                                    <p:set>
+                                      <p:cBhvr>
+                                        <p:cTn id="6" dur="1" fill="hold">
+                                          <p:stCondLst>
+                                            <p:cond delay="0"/>
+                                          </p:stCondLst>
+                                        </p:cTn>
+                                        <p:tgtEl>
+                                          <p:spTgt spid="3">
+                                            <p:txEl>
+                                              <p:pRg st="0" end="0"/>
+                                            </p:txEl>
+                                          </p:spTgt>
+                                        </p:tgtEl>
+                                        <p:attrNameLst>
+                                          <p:attrName>style.visibility</p:attrName>
+                                        </p:attrNameLst>
+                                      </p:cBhvr>
+                                      <p:to>
+                                        <p:strVal val="visible"/>
+                                      </p:to>
+                                    </p:set>
+                                    <p:animEffect transition="in" filter="wheel(1)">
+                                      <p:cBhvr>
+                                        <p:cTn id="7" dur="2000"/>
+                                        <p:tgtEl>
+                                          <p:spTgt spid="3">
+                                            <p:txEl>
+                                              <p:pRg st="0" end="0"/>
+                                            </p:txEl>
+                                          </p:spTgt>
+                                        </p:tgtEl>
+                                      </p:cBhvr>
+                                    </p:animEffect>
+                                  </p:childTnLst>
+                                </p:cTn>
+                              </p:par>
+                            </p:childTnLst>
+                          </p:cTn>
+                        </p:par>
+                      </p:childTnLst>
+                    </p:cTn>
+                  </p:par>
+                  <p:par>
+                    <p:cTn id="8" fill="hold">
+                      <p:stCondLst>
+                        <p:cond delay="indefinite"/>
+                      </p:stCondLst>
+                      <p:childTnLst>
+                        <p:par>
+                          <p:cTn id="9" fill="hold">
+                            <p:stCondLst>
+                              <p:cond delay="0"/>
+                            </p:stCondLst>
+                            <p:childTnLst>
+                              <p:par>
+                                <p:cTn id="10" presetID="21" presetClass="entr" presetSubtype="1" fill="hold" grpId="0" nodeType="clickEffect">
+                                  <p:stCondLst>
+                                    <p:cond delay="0"/>
+                                  </p:stCondLst>
+                                  <p:childTnLst>
+                                    <p:set>
+                                      <p:cBhvr>
+                                        <p:cTn id="11" dur="1" fill="hold">
+                                          <p:stCondLst>
+                                            <p:cond delay="0"/>
+                                          </p:stCondLst>
+                                        </p:cTn>
+                                        <p:tgtEl>
+                                          <p:spTgt spid="3">
+                                            <p:txEl>
+                                              <p:pRg st="1" end="1"/>
+                                            </p:txEl>
+                                          </p:spTgt>
+                                        </p:tgtEl>
+                                        <p:attrNameLst>
+                                          <p:attrName>style.visibility</p:attrName>
+                                        </p:attrNameLst>
+                                      </p:cBhvr>
+                                      <p:to>
+                                        <p:strVal val="visible"/>
+                                      </p:to>
+                                    </p:set>
+                                    <p:animEffect transition="in" filter="wheel(1)">
+                                      <p:cBhvr>
+                                        <p:cTn id="12" dur="2000"/>
+                                        <p:tgtEl>
+                                          <p:spTgt spid="3">
+                                            <p:txEl>
+                                              <p:pRg st="1" end="1"/>
+                                            </p:txEl>
+                                          </p:spTgt>
+                                        </p:tgtEl>
+                                      </p:cBhvr>
+                                    </p:animEffect>
+                                  </p:childTnLst>
+                                </p:cTn>
+                              </p:par>
+                            </p:childTnLst>
+                          </p:cTn>
+                        </p:par>
+                      </p:childTnLst>
+                    </p:cTn>
+                  </p:par>
+                  <p:par>
+                    <p:cTn id="13" fill="hold">
+                      <p:stCondLst>
+                        <p:cond delay="indefinite"/>
+                      </p:stCondLst>
+                      <p:childTnLst>
+                        <p:par>
+                          <p:cTn id="14" fill="hold">
+                            <p:stCondLst>
+                              <p:cond delay="0"/>
+                            </p:stCondLst>
+                            <p:childTnLst>
+                              <p:par>
+                                <p:cTn id="15" presetID="21" presetClass="entr" presetSubtype="1" fill="hold" grpId="0" nodeType="clickEffect">
+                                  <p:stCondLst>
+                                    <p:cond delay="0"/>
+                                  </p:stCondLst>
+                                  <p:childTnLst>
+                                    <p:set>
+                                      <p:cBhvr>
+                                        <p:cTn id="16" dur="1" fill="hold">
+                                          <p:stCondLst>
+                                            <p:cond delay="0"/>
+                                          </p:stCondLst>
+                                        </p:cTn>
+                                        <p:tgtEl>
+                                          <p:spTgt spid="3">
+                                            <p:txEl>
+                                              <p:pRg st="2" end="2"/>
+                                            </p:txEl>
+                                          </p:spTgt>
+                                        </p:tgtEl>
+                                        <p:attrNameLst>
+                                          <p:attrName>style.visibility</p:attrName>
+                                        </p:attrNameLst>
+                                      </p:cBhvr>
+                                      <p:to>
+                                        <p:strVal val="visible"/>
+                                      </p:to>
+                                    </p:set>
+                                    <p:animEffect transition="in" filter="wheel(1)">
+                                      <p:cBhvr>
+                                        <p:cTn id="17" dur="2000"/>
+                                        <p:tgtEl>
+                                          <p:spTgt spid="3">
+                                            <p:txEl>
+                                              <p:pRg st="2" end="2"/>
+                                            </p:txEl>
+                                          </p:spTgt>
+                                        </p:tgtEl>
+                                      </p:cBhvr>
+                                    </p:animEffect>
+                                  </p:childTnLst>
+                                </p:cTn>
+                              </p:par>
+                            </p:childTnLst>
+                          </p:cTn>
+                        </p:par>
+                      </p:childTnLst>
+                    </p:cTn>
+                  </p:par>
+                </p:childTnLst>
+              </p:cTn>
+              <p:prevCondLst>
+                <p:cond evt="onPrev" delay="0">
+                  <p:tgtEl>
+                    <p:sldTgt/>
+                  </p:tgtEl>
+                </p:cond>
+              </p:prevCondLst>
+              <p:nextCondLst>
+                <p:cond evt="onNext" delay="0">
+                  <p:tgtEl>
+                    <p:sldTgt/>
+                  </p:tgtEl>
+                </p:cond>
+              </p:nextCondLst>
+            </p:seq>
+          </p:childTnLst>
+        </p:cTn>
       </p:par>
     </p:tnLst>
+    <p:bldLst>
+      <p:bldP spid="3" grpId="0" build="p"/>
+    </p:bldLst>
   </p:timing>
 </p:sld>
 </file>
@@ -9153,8 +9680,8 @@
         </p:nvSpPr>
         <p:spPr>
           <a:xfrm>
-            <a:off x="424240" y="1062726"/>
-            <a:ext cx="6704907" cy="3397926"/>
+            <a:off x="424240" y="1062725"/>
+            <a:ext cx="6704907" cy="4794735"/>
           </a:xfrm>
         </p:spPr>
         <p:txBody>
@@ -9291,9 +9818,210 @@
   <p:timing>
     <p:tnLst>
       <p:par>
-        <p:cTn id="1" dur="indefinite" restart="never" nodeType="tmRoot"/>
+        <p:cTn id="1" dur="indefinite" restart="never" nodeType="tmRoot">
+          <p:childTnLst>
+            <p:seq concurrent="1" nextAc="seek">
+              <p:cTn id="2" dur="indefinite" nodeType="mainSeq">
+                <p:childTnLst>
+                  <p:par>
+                    <p:cTn id="3" fill="hold">
+                      <p:stCondLst>
+                        <p:cond delay="indefinite"/>
+                      </p:stCondLst>
+                      <p:childTnLst>
+                        <p:par>
+                          <p:cTn id="4" fill="hold">
+                            <p:stCondLst>
+                              <p:cond delay="0"/>
+                            </p:stCondLst>
+                            <p:childTnLst>
+                              <p:par>
+                                <p:cTn id="5" presetID="16" presetClass="entr" presetSubtype="21" fill="hold" grpId="0" nodeType="clickEffect">
+                                  <p:stCondLst>
+                                    <p:cond delay="0"/>
+                                  </p:stCondLst>
+                                  <p:childTnLst>
+                                    <p:set>
+                                      <p:cBhvr>
+                                        <p:cTn id="6" dur="1" fill="hold">
+                                          <p:stCondLst>
+                                            <p:cond delay="0"/>
+                                          </p:stCondLst>
+                                        </p:cTn>
+                                        <p:tgtEl>
+                                          <p:spTgt spid="3">
+                                            <p:txEl>
+                                              <p:pRg st="0" end="0"/>
+                                            </p:txEl>
+                                          </p:spTgt>
+                                        </p:tgtEl>
+                                        <p:attrNameLst>
+                                          <p:attrName>style.visibility</p:attrName>
+                                        </p:attrNameLst>
+                                      </p:cBhvr>
+                                      <p:to>
+                                        <p:strVal val="visible"/>
+                                      </p:to>
+                                    </p:set>
+                                    <p:animEffect transition="in" filter="barn(inVertical)">
+                                      <p:cBhvr>
+                                        <p:cTn id="7" dur="500"/>
+                                        <p:tgtEl>
+                                          <p:spTgt spid="3">
+                                            <p:txEl>
+                                              <p:pRg st="0" end="0"/>
+                                            </p:txEl>
+                                          </p:spTgt>
+                                        </p:tgtEl>
+                                      </p:cBhvr>
+                                    </p:animEffect>
+                                  </p:childTnLst>
+                                </p:cTn>
+                              </p:par>
+                            </p:childTnLst>
+                          </p:cTn>
+                        </p:par>
+                      </p:childTnLst>
+                    </p:cTn>
+                  </p:par>
+                  <p:par>
+                    <p:cTn id="8" fill="hold">
+                      <p:stCondLst>
+                        <p:cond delay="indefinite"/>
+                      </p:stCondLst>
+                      <p:childTnLst>
+                        <p:par>
+                          <p:cTn id="9" fill="hold">
+                            <p:stCondLst>
+                              <p:cond delay="0"/>
+                            </p:stCondLst>
+                            <p:childTnLst>
+                              <p:par>
+                                <p:cTn id="10" presetID="16" presetClass="entr" presetSubtype="21" fill="hold" grpId="0" nodeType="clickEffect">
+                                  <p:stCondLst>
+                                    <p:cond delay="0"/>
+                                  </p:stCondLst>
+                                  <p:childTnLst>
+                                    <p:set>
+                                      <p:cBhvr>
+                                        <p:cTn id="11" dur="1" fill="hold">
+                                          <p:stCondLst>
+                                            <p:cond delay="0"/>
+                                          </p:stCondLst>
+                                        </p:cTn>
+                                        <p:tgtEl>
+                                          <p:spTgt spid="3">
+                                            <p:txEl>
+                                              <p:pRg st="1" end="1"/>
+                                            </p:txEl>
+                                          </p:spTgt>
+                                        </p:tgtEl>
+                                        <p:attrNameLst>
+                                          <p:attrName>style.visibility</p:attrName>
+                                        </p:attrNameLst>
+                                      </p:cBhvr>
+                                      <p:to>
+                                        <p:strVal val="visible"/>
+                                      </p:to>
+                                    </p:set>
+                                    <p:animEffect transition="in" filter="barn(inVertical)">
+                                      <p:cBhvr>
+                                        <p:cTn id="12" dur="500"/>
+                                        <p:tgtEl>
+                                          <p:spTgt spid="3">
+                                            <p:txEl>
+                                              <p:pRg st="1" end="1"/>
+                                            </p:txEl>
+                                          </p:spTgt>
+                                        </p:tgtEl>
+                                      </p:cBhvr>
+                                    </p:animEffect>
+                                  </p:childTnLst>
+                                </p:cTn>
+                              </p:par>
+                            </p:childTnLst>
+                          </p:cTn>
+                        </p:par>
+                      </p:childTnLst>
+                    </p:cTn>
+                  </p:par>
+                  <p:par>
+                    <p:cTn id="13" fill="hold">
+                      <p:stCondLst>
+                        <p:cond delay="indefinite"/>
+                      </p:stCondLst>
+                      <p:childTnLst>
+                        <p:par>
+                          <p:cTn id="14" fill="hold">
+                            <p:stCondLst>
+                              <p:cond delay="0"/>
+                            </p:stCondLst>
+                            <p:childTnLst>
+                              <p:par>
+                                <p:cTn id="15" presetID="16" presetClass="entr" presetSubtype="21" fill="hold" nodeType="clickEffect">
+                                  <p:stCondLst>
+                                    <p:cond delay="0"/>
+                                  </p:stCondLst>
+                                  <p:childTnLst>
+                                    <p:set>
+                                      <p:cBhvr>
+                                        <p:cTn id="16" dur="1" fill="hold">
+                                          <p:stCondLst>
+                                            <p:cond delay="0"/>
+                                          </p:stCondLst>
+                                        </p:cTn>
+                                        <p:tgtEl>
+                                          <p:spTgt spid="4"/>
+                                        </p:tgtEl>
+                                        <p:attrNameLst>
+                                          <p:attrName>style.visibility</p:attrName>
+                                        </p:attrNameLst>
+                                      </p:cBhvr>
+                                      <p:to>
+                                        <p:strVal val="visible"/>
+                                      </p:to>
+                                    </p:set>
+                                    <p:animEffect transition="in" filter="barn(inVertical)">
+                                      <p:cBhvr>
+                                        <p:cTn id="17" dur="500"/>
+                                        <p:tgtEl>
+                                          <p:spTgt spid="4"/>
+                                        </p:tgtEl>
+                                      </p:cBhvr>
+                                    </p:animEffect>
+                                  </p:childTnLst>
+                                </p:cTn>
+                              </p:par>
+                            </p:childTnLst>
+                          </p:cTn>
+                        </p:par>
+                      </p:childTnLst>
+                    </p:cTn>
+                  </p:par>
+                </p:childTnLst>
+              </p:cTn>
+              <p:prevCondLst>
+                <p:cond evt="onPrev" delay="0">
+                  <p:tgtEl>
+                    <p:sldTgt/>
+                  </p:tgtEl>
+                </p:cond>
+              </p:prevCondLst>
+              <p:nextCondLst>
+                <p:cond evt="onNext" delay="0">
+                  <p:tgtEl>
+                    <p:sldTgt/>
+                  </p:tgtEl>
+                </p:cond>
+              </p:nextCondLst>
+            </p:seq>
+          </p:childTnLst>
+        </p:cTn>
       </p:par>
     </p:tnLst>
+    <p:bldLst>
+      <p:bldP spid="3" grpId="0" build="p"/>
+    </p:bldLst>
   </p:timing>
 </p:sld>
 </file>
